--- a/数电论文图.pptx
+++ b/数电论文图.pptx
@@ -8,6 +8,7 @@
     <p:sldId id="256" r:id="rId2"/>
     <p:sldId id="257" r:id="rId3"/>
     <p:sldId id="258" r:id="rId4"/>
+    <p:sldId id="259" r:id="rId5"/>
   </p:sldIdLst>
   <p:sldSz cx="12192000" cy="6858000"/>
   <p:notesSz cx="6858000" cy="9144000"/>
@@ -106,6 +107,11 @@
       </a:defRPr>
     </a:lvl9pPr>
   </p:defaultTextStyle>
+  <p:extLst>
+    <p:ext uri="{EFAFB233-063F-42B5-8137-9DF3F51BA10A}">
+      <p15:sldGuideLst xmlns:p15="http://schemas.microsoft.com/office/powerpoint/2012/main"/>
+    </p:ext>
+  </p:extLst>
 </p:presentation>
 </file>
 
@@ -256,7 +262,7 @@
           <a:p>
             <a:fld id="{9F4F10F5-9F6C-47D3-8F96-3FC81E3C7249}" type="datetimeFigureOut">
               <a:rPr lang="zh-CN" altLang="en-US" smtClean="0"/>
-              <a:t>2019-12-16</a:t>
+              <a:t>2019-12-20</a:t>
             </a:fld>
             <a:endParaRPr lang="zh-CN" altLang="en-US"/>
           </a:p>
@@ -454,7 +460,7 @@
           <a:p>
             <a:fld id="{9F4F10F5-9F6C-47D3-8F96-3FC81E3C7249}" type="datetimeFigureOut">
               <a:rPr lang="zh-CN" altLang="en-US" smtClean="0"/>
-              <a:t>2019-12-16</a:t>
+              <a:t>2019-12-20</a:t>
             </a:fld>
             <a:endParaRPr lang="zh-CN" altLang="en-US"/>
           </a:p>
@@ -662,7 +668,7 @@
           <a:p>
             <a:fld id="{9F4F10F5-9F6C-47D3-8F96-3FC81E3C7249}" type="datetimeFigureOut">
               <a:rPr lang="zh-CN" altLang="en-US" smtClean="0"/>
-              <a:t>2019-12-16</a:t>
+              <a:t>2019-12-20</a:t>
             </a:fld>
             <a:endParaRPr lang="zh-CN" altLang="en-US"/>
           </a:p>
@@ -860,7 +866,7 @@
           <a:p>
             <a:fld id="{9F4F10F5-9F6C-47D3-8F96-3FC81E3C7249}" type="datetimeFigureOut">
               <a:rPr lang="zh-CN" altLang="en-US" smtClean="0"/>
-              <a:t>2019-12-16</a:t>
+              <a:t>2019-12-20</a:t>
             </a:fld>
             <a:endParaRPr lang="zh-CN" altLang="en-US"/>
           </a:p>
@@ -1135,7 +1141,7 @@
           <a:p>
             <a:fld id="{9F4F10F5-9F6C-47D3-8F96-3FC81E3C7249}" type="datetimeFigureOut">
               <a:rPr lang="zh-CN" altLang="en-US" smtClean="0"/>
-              <a:t>2019-12-16</a:t>
+              <a:t>2019-12-20</a:t>
             </a:fld>
             <a:endParaRPr lang="zh-CN" altLang="en-US"/>
           </a:p>
@@ -1400,7 +1406,7 @@
           <a:p>
             <a:fld id="{9F4F10F5-9F6C-47D3-8F96-3FC81E3C7249}" type="datetimeFigureOut">
               <a:rPr lang="zh-CN" altLang="en-US" smtClean="0"/>
-              <a:t>2019-12-16</a:t>
+              <a:t>2019-12-20</a:t>
             </a:fld>
             <a:endParaRPr lang="zh-CN" altLang="en-US"/>
           </a:p>
@@ -1812,7 +1818,7 @@
           <a:p>
             <a:fld id="{9F4F10F5-9F6C-47D3-8F96-3FC81E3C7249}" type="datetimeFigureOut">
               <a:rPr lang="zh-CN" altLang="en-US" smtClean="0"/>
-              <a:t>2019-12-16</a:t>
+              <a:t>2019-12-20</a:t>
             </a:fld>
             <a:endParaRPr lang="zh-CN" altLang="en-US"/>
           </a:p>
@@ -1953,7 +1959,7 @@
           <a:p>
             <a:fld id="{9F4F10F5-9F6C-47D3-8F96-3FC81E3C7249}" type="datetimeFigureOut">
               <a:rPr lang="zh-CN" altLang="en-US" smtClean="0"/>
-              <a:t>2019-12-16</a:t>
+              <a:t>2019-12-20</a:t>
             </a:fld>
             <a:endParaRPr lang="zh-CN" altLang="en-US"/>
           </a:p>
@@ -2066,7 +2072,7 @@
           <a:p>
             <a:fld id="{9F4F10F5-9F6C-47D3-8F96-3FC81E3C7249}" type="datetimeFigureOut">
               <a:rPr lang="zh-CN" altLang="en-US" smtClean="0"/>
-              <a:t>2019-12-16</a:t>
+              <a:t>2019-12-20</a:t>
             </a:fld>
             <a:endParaRPr lang="zh-CN" altLang="en-US"/>
           </a:p>
@@ -2377,7 +2383,7 @@
           <a:p>
             <a:fld id="{9F4F10F5-9F6C-47D3-8F96-3FC81E3C7249}" type="datetimeFigureOut">
               <a:rPr lang="zh-CN" altLang="en-US" smtClean="0"/>
-              <a:t>2019-12-16</a:t>
+              <a:t>2019-12-20</a:t>
             </a:fld>
             <a:endParaRPr lang="zh-CN" altLang="en-US"/>
           </a:p>
@@ -2665,7 +2671,7 @@
           <a:p>
             <a:fld id="{9F4F10F5-9F6C-47D3-8F96-3FC81E3C7249}" type="datetimeFigureOut">
               <a:rPr lang="zh-CN" altLang="en-US" smtClean="0"/>
-              <a:t>2019-12-16</a:t>
+              <a:t>2019-12-20</a:t>
             </a:fld>
             <a:endParaRPr lang="zh-CN" altLang="en-US"/>
           </a:p>
@@ -2906,7 +2912,7 @@
           <a:p>
             <a:fld id="{9F4F10F5-9F6C-47D3-8F96-3FC81E3C7249}" type="datetimeFigureOut">
               <a:rPr lang="zh-CN" altLang="en-US" smtClean="0"/>
-              <a:t>2019-12-16</a:t>
+              <a:t>2019-12-20</a:t>
             </a:fld>
             <a:endParaRPr lang="zh-CN" altLang="en-US"/>
           </a:p>
@@ -3379,7 +3385,7 @@
               <a:pPr algn="ctr"/>
               <a:r>
                 <a:rPr lang="zh-CN" altLang="en-US" dirty="0"/>
-                <a:t>计算器</a:t>
+                <a:t>计算机</a:t>
               </a:r>
             </a:p>
           </p:txBody>
@@ -3952,7 +3958,7 @@
               <a:pPr algn="ctr"/>
               <a:r>
                 <a:rPr lang="zh-CN" altLang="en-US" dirty="0"/>
-                <a:t>计算器</a:t>
+                <a:t>计算机</a:t>
               </a:r>
             </a:p>
           </p:txBody>
@@ -6015,7 +6021,7 @@
                 <p:ph idx="1"/>
                 <p:extLst>
                   <p:ext uri="{D42A27DB-BD31-4B8C-83A1-F6EECF244321}">
-                    <p14:modId xmlns:p14="http://schemas.microsoft.com/office/powerpoint/2010/main" val="1762856341"/>
+                    <p14:modId xmlns:p14="http://schemas.microsoft.com/office/powerpoint/2010/main" val="4264497678"/>
                   </p:ext>
                 </p:extLst>
               </p:nvPr>
@@ -6055,7 +6061,7 @@
                           <a:pPr algn="ctr"/>
                           <a:r>
                             <a:rPr lang="zh-CN" altLang="en-US" dirty="0"/>
-                            <a:t>协议</a:t>
+                            <a:t>接口</a:t>
                           </a:r>
                         </a:p>
                       </a:txBody>
@@ -6069,7 +6075,7 @@
                           <a:pPr algn="ctr"/>
                           <a:r>
                             <a:rPr lang="en-US" altLang="zh-CN" dirty="0"/>
-                            <a:t>RS232</a:t>
+                            <a:t>RS-232</a:t>
                           </a:r>
                           <a:endParaRPr lang="zh-CN" altLang="en-US" dirty="0"/>
                         </a:p>
@@ -6514,7 +6520,7 @@
                         <a:p>
                           <a:pPr algn="ctr"/>
                           <a:r>
-                            <a:rPr lang="zh-CN" altLang="en-US" i="1" dirty="0"/>
+                            <a:rPr lang="zh-CN" altLang="en-US" i="0" dirty="0"/>
                             <a:t>点对点，只能两设备</a:t>
                           </a:r>
                         </a:p>
@@ -6549,7 +6555,7 @@
                         <a:p>
                           <a:pPr algn="ctr"/>
                           <a:r>
-                            <a:rPr lang="zh-CN" altLang="en-US" i="1" dirty="0"/>
+                            <a:rPr lang="zh-CN" altLang="en-US" b="0" i="0" dirty="0"/>
                             <a:t>不需要</a:t>
                           </a:r>
                         </a:p>
@@ -6584,15 +6590,15 @@
                         <a:p>
                           <a:pPr algn="ctr"/>
                           <a:r>
-                            <a:rPr lang="zh-CN" altLang="en-US" i="1" dirty="0"/>
+                            <a:rPr lang="zh-CN" altLang="en-US" i="0" dirty="0"/>
                             <a:t>主</a:t>
                           </a:r>
                           <a:r>
-                            <a:rPr lang="en-US" altLang="zh-CN" i="1" dirty="0"/>
+                            <a:rPr lang="en-US" altLang="zh-CN" i="0" dirty="0"/>
                             <a:t>-</a:t>
                           </a:r>
                           <a:r>
-                            <a:rPr lang="zh-CN" altLang="en-US" i="1" dirty="0"/>
+                            <a:rPr lang="zh-CN" altLang="en-US" i="0" dirty="0"/>
                             <a:t>从结构</a:t>
                           </a:r>
                         </a:p>
@@ -6633,25 +6639,25 @@
                               </m:oMathParaPr>
                               <m:oMath xmlns:m="http://schemas.openxmlformats.org/officeDocument/2006/math">
                                 <m:r>
-                                  <a:rPr lang="en-US" altLang="zh-CN" i="1" dirty="0" smtClean="0">
+                                  <a:rPr lang="en-US" altLang="zh-CN" i="0" dirty="0" smtClean="0">
                                     <a:latin typeface="Cambria Math" panose="02040503050406030204" pitchFamily="18" charset="0"/>
                                   </a:rPr>
                                   <m:t>3</m:t>
                                 </m:r>
                                 <m:r>
-                                  <a:rPr lang="zh-CN" altLang="en-US" i="1" dirty="0" smtClean="0">
+                                  <a:rPr lang="zh-CN" altLang="en-US" i="0" dirty="0" smtClean="0">
                                     <a:latin typeface="Cambria Math" panose="02040503050406030204" pitchFamily="18" charset="0"/>
                                   </a:rPr>
                                   <m:t>线</m:t>
                                 </m:r>
                                 <m:r>
-                                  <a:rPr lang="en-US" altLang="zh-CN" i="1" dirty="0" smtClean="0">
+                                  <a:rPr lang="en-US" altLang="zh-CN" i="0" dirty="0" smtClean="0">
                                     <a:latin typeface="Cambria Math" panose="02040503050406030204" pitchFamily="18" charset="0"/>
                                   </a:rPr>
                                   <m:t>/5</m:t>
                                 </m:r>
                                 <m:r>
-                                  <a:rPr lang="zh-CN" altLang="en-US" i="1" dirty="0" smtClean="0">
+                                  <a:rPr lang="zh-CN" altLang="en-US" i="0" dirty="0" smtClean="0">
                                     <a:latin typeface="Cambria Math" panose="02040503050406030204" pitchFamily="18" charset="0"/>
                                   </a:rPr>
                                   <m:t>线</m:t>
@@ -6659,7 +6665,7 @@
                               </m:oMath>
                             </m:oMathPara>
                           </a14:m>
-                          <a:endParaRPr lang="zh-CN" altLang="en-US" i="1" dirty="0"/>
+                          <a:endParaRPr lang="zh-CN" altLang="en-US" i="0" dirty="0"/>
                         </a:p>
                       </a:txBody>
                       <a:tcPr/>
@@ -6739,7 +6745,7 @@
                         <a:p>
                           <a:pPr algn="ctr"/>
                           <a:r>
-                            <a:rPr lang="zh-CN" altLang="en-US" i="1" dirty="0"/>
+                            <a:rPr lang="zh-CN" altLang="en-US" i="0" dirty="0"/>
                             <a:t>简单</a:t>
                           </a:r>
                         </a:p>
@@ -6774,7 +6780,7 @@
                 <p:ph idx="1"/>
                 <p:extLst>
                   <p:ext uri="{D42A27DB-BD31-4B8C-83A1-F6EECF244321}">
-                    <p14:modId xmlns:p14="http://schemas.microsoft.com/office/powerpoint/2010/main" val="1762856341"/>
+                    <p14:modId xmlns:p14="http://schemas.microsoft.com/office/powerpoint/2010/main" val="4264497678"/>
                   </p:ext>
                 </p:extLst>
               </p:nvPr>
@@ -6814,7 +6820,7 @@
                           <a:pPr algn="ctr"/>
                           <a:r>
                             <a:rPr lang="zh-CN" altLang="en-US" dirty="0"/>
-                            <a:t>协议</a:t>
+                            <a:t>接口</a:t>
                           </a:r>
                         </a:p>
                       </a:txBody>
@@ -6828,7 +6834,7 @@
                           <a:pPr algn="ctr"/>
                           <a:r>
                             <a:rPr lang="en-US" altLang="zh-CN" dirty="0"/>
-                            <a:t>RS232</a:t>
+                            <a:t>RS-232</a:t>
                           </a:r>
                           <a:endParaRPr lang="zh-CN" altLang="en-US" dirty="0"/>
                         </a:p>
@@ -7167,7 +7173,7 @@
                         <a:p>
                           <a:pPr algn="ctr"/>
                           <a:r>
-                            <a:rPr lang="zh-CN" altLang="en-US" i="1" dirty="0"/>
+                            <a:rPr lang="zh-CN" altLang="en-US" i="0" dirty="0"/>
                             <a:t>点对点，只能两设备</a:t>
                           </a:r>
                         </a:p>
@@ -7202,7 +7208,7 @@
                         <a:p>
                           <a:pPr algn="ctr"/>
                           <a:r>
-                            <a:rPr lang="zh-CN" altLang="en-US" i="1" dirty="0"/>
+                            <a:rPr lang="zh-CN" altLang="en-US" b="0" i="0" dirty="0"/>
                             <a:t>不需要</a:t>
                           </a:r>
                         </a:p>
@@ -7237,15 +7243,15 @@
                         <a:p>
                           <a:pPr algn="ctr"/>
                           <a:r>
-                            <a:rPr lang="zh-CN" altLang="en-US" i="1" dirty="0"/>
+                            <a:rPr lang="zh-CN" altLang="en-US" i="0" dirty="0"/>
                             <a:t>主</a:t>
                           </a:r>
                           <a:r>
-                            <a:rPr lang="en-US" altLang="zh-CN" i="1" dirty="0"/>
+                            <a:rPr lang="en-US" altLang="zh-CN" i="0" dirty="0"/>
                             <a:t>-</a:t>
                           </a:r>
                           <a:r>
-                            <a:rPr lang="zh-CN" altLang="en-US" i="1" dirty="0"/>
+                            <a:rPr lang="zh-CN" altLang="en-US" i="0" dirty="0"/>
                             <a:t>从结构</a:t>
                           </a:r>
                         </a:p>
@@ -7356,7 +7362,7 @@
                         <a:p>
                           <a:pPr algn="ctr"/>
                           <a:r>
-                            <a:rPr lang="zh-CN" altLang="en-US" i="1" dirty="0"/>
+                            <a:rPr lang="zh-CN" altLang="en-US" i="0" dirty="0"/>
                             <a:t>简单</a:t>
                           </a:r>
                         </a:p>
@@ -7379,6 +7385,2742 @@
     <p:extLst>
       <p:ext uri="{BB962C8B-B14F-4D97-AF65-F5344CB8AC3E}">
         <p14:creationId xmlns:p14="http://schemas.microsoft.com/office/powerpoint/2010/main" val="3657099878"/>
+      </p:ext>
+    </p:extLst>
+  </p:cSld>
+  <p:clrMapOvr>
+    <a:masterClrMapping/>
+  </p:clrMapOvr>
+</p:sld>
+</file>
+
+<file path=ppt/slides/slide4.xml><?xml version="1.0" encoding="utf-8"?>
+<p:sld xmlns:a="http://schemas.openxmlformats.org/drawingml/2006/main" xmlns:r="http://schemas.openxmlformats.org/officeDocument/2006/relationships" xmlns:p="http://schemas.openxmlformats.org/presentationml/2006/main">
+  <p:cSld>
+    <p:spTree>
+      <p:nvGrpSpPr>
+        <p:cNvPr id="1" name=""/>
+        <p:cNvGrpSpPr/>
+        <p:nvPr/>
+      </p:nvGrpSpPr>
+      <p:grpSpPr>
+        <a:xfrm>
+          <a:off x="0" y="0"/>
+          <a:ext cx="0" cy="0"/>
+          <a:chOff x="0" y="0"/>
+          <a:chExt cx="0" cy="0"/>
+        </a:xfrm>
+      </p:grpSpPr>
+      <p:grpSp>
+        <p:nvGrpSpPr>
+          <p:cNvPr id="67" name="组合 66">
+            <a:extLst>
+              <a:ext uri="{FF2B5EF4-FFF2-40B4-BE49-F238E27FC236}">
+                <a16:creationId xmlns:a16="http://schemas.microsoft.com/office/drawing/2014/main" id="{F2624B15-78F0-4841-8689-5A6306F80615}"/>
+              </a:ext>
+            </a:extLst>
+          </p:cNvPr>
+          <p:cNvGrpSpPr/>
+          <p:nvPr/>
+        </p:nvGrpSpPr>
+        <p:grpSpPr>
+          <a:xfrm>
+            <a:off x="542457" y="2306315"/>
+            <a:ext cx="11170920" cy="1385366"/>
+            <a:chOff x="542457" y="2306315"/>
+            <a:chExt cx="11170920" cy="1385366"/>
+          </a:xfrm>
+        </p:grpSpPr>
+        <p:sp>
+          <p:nvSpPr>
+            <p:cNvPr id="5" name="矩形 4">
+              <a:extLst>
+                <a:ext uri="{FF2B5EF4-FFF2-40B4-BE49-F238E27FC236}">
+                  <a16:creationId xmlns:a16="http://schemas.microsoft.com/office/drawing/2014/main" id="{5A3B6465-D630-4C0B-BFA8-FF2E2F6CE01B}"/>
+                </a:ext>
+              </a:extLst>
+            </p:cNvPr>
+            <p:cNvSpPr/>
+            <p:nvPr/>
+          </p:nvSpPr>
+          <p:spPr>
+            <a:xfrm>
+              <a:off x="548566" y="3267260"/>
+              <a:ext cx="1003177" cy="417251"/>
+            </a:xfrm>
+            <a:prstGeom prst="rect">
+              <a:avLst/>
+            </a:prstGeom>
+            <a:solidFill>
+              <a:schemeClr val="bg1"/>
+            </a:solidFill>
+            <a:ln>
+              <a:solidFill>
+                <a:schemeClr val="tx1"/>
+              </a:solidFill>
+            </a:ln>
+            <a:scene3d>
+              <a:camera prst="obliqueTopRight"/>
+              <a:lightRig rig="threePt" dir="t"/>
+            </a:scene3d>
+            <a:sp3d extrusionH="1270000"/>
+          </p:spPr>
+          <p:style>
+            <a:lnRef idx="2">
+              <a:schemeClr val="accent1">
+                <a:shade val="50000"/>
+              </a:schemeClr>
+            </a:lnRef>
+            <a:fillRef idx="1">
+              <a:schemeClr val="accent1"/>
+            </a:fillRef>
+            <a:effectRef idx="0">
+              <a:schemeClr val="accent1"/>
+            </a:effectRef>
+            <a:fontRef idx="minor">
+              <a:schemeClr val="lt1"/>
+            </a:fontRef>
+          </p:style>
+          <p:txBody>
+            <a:bodyPr rtlCol="0" anchor="ctr"/>
+            <a:lstStyle/>
+            <a:p>
+              <a:pPr algn="ctr"/>
+              <a:r>
+                <a:rPr lang="en-US" altLang="zh-CN" dirty="0">
+                  <a:solidFill>
+                    <a:schemeClr val="tx1"/>
+                  </a:solidFill>
+                </a:rPr>
+                <a:t>1</a:t>
+              </a:r>
+              <a:r>
+                <a:rPr lang="zh-CN" altLang="en-US" dirty="0">
+                  <a:solidFill>
+                    <a:schemeClr val="tx1"/>
+                  </a:solidFill>
+                </a:rPr>
+                <a:t>位</a:t>
+              </a:r>
+            </a:p>
+          </p:txBody>
+        </p:sp>
+        <p:sp>
+          <p:nvSpPr>
+            <p:cNvPr id="4" name="矩形 3">
+              <a:extLst>
+                <a:ext uri="{FF2B5EF4-FFF2-40B4-BE49-F238E27FC236}">
+                  <a16:creationId xmlns:a16="http://schemas.microsoft.com/office/drawing/2014/main" id="{77C70ADE-FCD8-4E26-846B-31F3519408D9}"/>
+                </a:ext>
+              </a:extLst>
+            </p:cNvPr>
+            <p:cNvSpPr/>
+            <p:nvPr/>
+          </p:nvSpPr>
+          <p:spPr>
+            <a:xfrm>
+              <a:off x="548566" y="2850009"/>
+              <a:ext cx="1003177" cy="417251"/>
+            </a:xfrm>
+            <a:prstGeom prst="rect">
+              <a:avLst/>
+            </a:prstGeom>
+            <a:solidFill>
+              <a:schemeClr val="accent6"/>
+            </a:solidFill>
+            <a:ln>
+              <a:solidFill>
+                <a:schemeClr val="accent6"/>
+              </a:solidFill>
+            </a:ln>
+            <a:scene3d>
+              <a:camera prst="obliqueTopRight"/>
+              <a:lightRig rig="threePt" dir="t"/>
+            </a:scene3d>
+            <a:sp3d extrusionH="1270000"/>
+          </p:spPr>
+          <p:style>
+            <a:lnRef idx="2">
+              <a:schemeClr val="accent1">
+                <a:shade val="50000"/>
+              </a:schemeClr>
+            </a:lnRef>
+            <a:fillRef idx="1">
+              <a:schemeClr val="accent1"/>
+            </a:fillRef>
+            <a:effectRef idx="0">
+              <a:schemeClr val="accent1"/>
+            </a:effectRef>
+            <a:fontRef idx="minor">
+              <a:schemeClr val="lt1"/>
+            </a:fontRef>
+          </p:style>
+          <p:txBody>
+            <a:bodyPr rtlCol="0" anchor="ctr"/>
+            <a:lstStyle/>
+            <a:p>
+              <a:pPr algn="ctr"/>
+              <a:r>
+                <a:rPr lang="zh-CN" altLang="en-US" dirty="0"/>
+                <a:t>开始</a:t>
+              </a:r>
+            </a:p>
+          </p:txBody>
+        </p:sp>
+        <p:sp>
+          <p:nvSpPr>
+            <p:cNvPr id="6" name="矩形 5">
+              <a:extLst>
+                <a:ext uri="{FF2B5EF4-FFF2-40B4-BE49-F238E27FC236}">
+                  <a16:creationId xmlns:a16="http://schemas.microsoft.com/office/drawing/2014/main" id="{A611FDE9-DA59-4D83-BAAD-8C552B1D89A9}"/>
+                </a:ext>
+              </a:extLst>
+            </p:cNvPr>
+            <p:cNvSpPr/>
+            <p:nvPr/>
+          </p:nvSpPr>
+          <p:spPr>
+            <a:xfrm>
+              <a:off x="1551743" y="3267260"/>
+              <a:ext cx="1003177" cy="417251"/>
+            </a:xfrm>
+            <a:prstGeom prst="rect">
+              <a:avLst/>
+            </a:prstGeom>
+            <a:solidFill>
+              <a:schemeClr val="bg1"/>
+            </a:solidFill>
+            <a:ln>
+              <a:solidFill>
+                <a:schemeClr val="tx1"/>
+              </a:solidFill>
+            </a:ln>
+            <a:scene3d>
+              <a:camera prst="obliqueTopRight"/>
+              <a:lightRig rig="threePt" dir="t"/>
+            </a:scene3d>
+            <a:sp3d extrusionH="1270000"/>
+          </p:spPr>
+          <p:style>
+            <a:lnRef idx="2">
+              <a:schemeClr val="accent1">
+                <a:shade val="50000"/>
+              </a:schemeClr>
+            </a:lnRef>
+            <a:fillRef idx="1">
+              <a:schemeClr val="accent1"/>
+            </a:fillRef>
+            <a:effectRef idx="0">
+              <a:schemeClr val="accent1"/>
+            </a:effectRef>
+            <a:fontRef idx="minor">
+              <a:schemeClr val="lt1"/>
+            </a:fontRef>
+          </p:style>
+          <p:txBody>
+            <a:bodyPr rtlCol="0" anchor="ctr"/>
+            <a:lstStyle/>
+            <a:p>
+              <a:pPr algn="ctr"/>
+              <a:r>
+                <a:rPr lang="en-US" altLang="zh-CN" dirty="0">
+                  <a:solidFill>
+                    <a:schemeClr val="tx1"/>
+                  </a:solidFill>
+                </a:rPr>
+                <a:t>1</a:t>
+              </a:r>
+              <a:r>
+                <a:rPr lang="zh-CN" altLang="en-US" dirty="0">
+                  <a:solidFill>
+                    <a:schemeClr val="tx1"/>
+                  </a:solidFill>
+                </a:rPr>
+                <a:t>位</a:t>
+              </a:r>
+            </a:p>
+          </p:txBody>
+        </p:sp>
+        <p:sp>
+          <p:nvSpPr>
+            <p:cNvPr id="7" name="矩形 6">
+              <a:extLst>
+                <a:ext uri="{FF2B5EF4-FFF2-40B4-BE49-F238E27FC236}">
+                  <a16:creationId xmlns:a16="http://schemas.microsoft.com/office/drawing/2014/main" id="{A8ACCBFF-CE5B-46F9-A3E8-61D474C78D4F}"/>
+                </a:ext>
+              </a:extLst>
+            </p:cNvPr>
+            <p:cNvSpPr/>
+            <p:nvPr/>
+          </p:nvSpPr>
+          <p:spPr>
+            <a:xfrm>
+              <a:off x="1551743" y="2850009"/>
+              <a:ext cx="1003177" cy="417251"/>
+            </a:xfrm>
+            <a:prstGeom prst="rect">
+              <a:avLst/>
+            </a:prstGeom>
+            <a:solidFill>
+              <a:schemeClr val="bg2">
+                <a:lumMod val="75000"/>
+              </a:schemeClr>
+            </a:solidFill>
+            <a:ln>
+              <a:solidFill>
+                <a:schemeClr val="bg2">
+                  <a:lumMod val="75000"/>
+                </a:schemeClr>
+              </a:solidFill>
+            </a:ln>
+            <a:scene3d>
+              <a:camera prst="obliqueTopRight"/>
+              <a:lightRig rig="threePt" dir="t"/>
+            </a:scene3d>
+            <a:sp3d extrusionH="1270000"/>
+          </p:spPr>
+          <p:style>
+            <a:lnRef idx="2">
+              <a:schemeClr val="accent1">
+                <a:shade val="50000"/>
+              </a:schemeClr>
+            </a:lnRef>
+            <a:fillRef idx="1">
+              <a:schemeClr val="accent1"/>
+            </a:fillRef>
+            <a:effectRef idx="0">
+              <a:schemeClr val="accent1"/>
+            </a:effectRef>
+            <a:fontRef idx="minor">
+              <a:schemeClr val="lt1"/>
+            </a:fontRef>
+          </p:style>
+          <p:txBody>
+            <a:bodyPr rtlCol="0" anchor="ctr"/>
+            <a:lstStyle/>
+            <a:p>
+              <a:pPr algn="ctr"/>
+              <a:r>
+                <a:rPr lang="zh-CN" altLang="en-US" dirty="0">
+                  <a:solidFill>
+                    <a:schemeClr val="tx1"/>
+                  </a:solidFill>
+                </a:rPr>
+                <a:t>数据</a:t>
+              </a:r>
+              <a:r>
+                <a:rPr lang="en-US" altLang="zh-CN" dirty="0">
+                  <a:solidFill>
+                    <a:schemeClr val="tx1"/>
+                  </a:solidFill>
+                </a:rPr>
+                <a:t>0</a:t>
+              </a:r>
+            </a:p>
+          </p:txBody>
+        </p:sp>
+        <p:sp>
+          <p:nvSpPr>
+            <p:cNvPr id="8" name="矩形 7">
+              <a:extLst>
+                <a:ext uri="{FF2B5EF4-FFF2-40B4-BE49-F238E27FC236}">
+                  <a16:creationId xmlns:a16="http://schemas.microsoft.com/office/drawing/2014/main" id="{422D95A6-4177-467C-BE7C-92D471DD4D04}"/>
+                </a:ext>
+              </a:extLst>
+            </p:cNvPr>
+            <p:cNvSpPr/>
+            <p:nvPr/>
+          </p:nvSpPr>
+          <p:spPr>
+            <a:xfrm>
+              <a:off x="2554920" y="3267260"/>
+              <a:ext cx="1003177" cy="417251"/>
+            </a:xfrm>
+            <a:prstGeom prst="rect">
+              <a:avLst/>
+            </a:prstGeom>
+            <a:solidFill>
+              <a:schemeClr val="bg1"/>
+            </a:solidFill>
+            <a:ln>
+              <a:solidFill>
+                <a:schemeClr val="tx1"/>
+              </a:solidFill>
+            </a:ln>
+            <a:scene3d>
+              <a:camera prst="obliqueTopRight"/>
+              <a:lightRig rig="threePt" dir="t"/>
+            </a:scene3d>
+            <a:sp3d extrusionH="1270000"/>
+          </p:spPr>
+          <p:style>
+            <a:lnRef idx="2">
+              <a:schemeClr val="accent1">
+                <a:shade val="50000"/>
+              </a:schemeClr>
+            </a:lnRef>
+            <a:fillRef idx="1">
+              <a:schemeClr val="accent1"/>
+            </a:fillRef>
+            <a:effectRef idx="0">
+              <a:schemeClr val="accent1"/>
+            </a:effectRef>
+            <a:fontRef idx="minor">
+              <a:schemeClr val="lt1"/>
+            </a:fontRef>
+          </p:style>
+          <p:txBody>
+            <a:bodyPr rtlCol="0" anchor="ctr"/>
+            <a:lstStyle/>
+            <a:p>
+              <a:pPr algn="ctr"/>
+              <a:r>
+                <a:rPr lang="en-US" altLang="zh-CN" dirty="0">
+                  <a:solidFill>
+                    <a:schemeClr val="tx1"/>
+                  </a:solidFill>
+                </a:rPr>
+                <a:t>1</a:t>
+              </a:r>
+              <a:r>
+                <a:rPr lang="zh-CN" altLang="en-US" dirty="0">
+                  <a:solidFill>
+                    <a:schemeClr val="tx1"/>
+                  </a:solidFill>
+                </a:rPr>
+                <a:t>位</a:t>
+              </a:r>
+            </a:p>
+          </p:txBody>
+        </p:sp>
+        <p:sp>
+          <p:nvSpPr>
+            <p:cNvPr id="9" name="矩形 8">
+              <a:extLst>
+                <a:ext uri="{FF2B5EF4-FFF2-40B4-BE49-F238E27FC236}">
+                  <a16:creationId xmlns:a16="http://schemas.microsoft.com/office/drawing/2014/main" id="{8843B487-BF86-4F1C-9663-7A78AFA4ADD7}"/>
+                </a:ext>
+              </a:extLst>
+            </p:cNvPr>
+            <p:cNvSpPr/>
+            <p:nvPr/>
+          </p:nvSpPr>
+          <p:spPr>
+            <a:xfrm>
+              <a:off x="2554920" y="2850009"/>
+              <a:ext cx="1003177" cy="417251"/>
+            </a:xfrm>
+            <a:prstGeom prst="rect">
+              <a:avLst/>
+            </a:prstGeom>
+            <a:solidFill>
+              <a:schemeClr val="bg2">
+                <a:lumMod val="75000"/>
+              </a:schemeClr>
+            </a:solidFill>
+            <a:ln>
+              <a:solidFill>
+                <a:schemeClr val="bg2">
+                  <a:lumMod val="75000"/>
+                </a:schemeClr>
+              </a:solidFill>
+            </a:ln>
+            <a:scene3d>
+              <a:camera prst="obliqueTopRight"/>
+              <a:lightRig rig="threePt" dir="t"/>
+            </a:scene3d>
+            <a:sp3d extrusionH="1270000"/>
+          </p:spPr>
+          <p:style>
+            <a:lnRef idx="2">
+              <a:schemeClr val="accent1">
+                <a:shade val="50000"/>
+              </a:schemeClr>
+            </a:lnRef>
+            <a:fillRef idx="1">
+              <a:schemeClr val="accent1"/>
+            </a:fillRef>
+            <a:effectRef idx="0">
+              <a:schemeClr val="accent1"/>
+            </a:effectRef>
+            <a:fontRef idx="minor">
+              <a:schemeClr val="lt1"/>
+            </a:fontRef>
+          </p:style>
+          <p:txBody>
+            <a:bodyPr rtlCol="0" anchor="ctr"/>
+            <a:lstStyle/>
+            <a:p>
+              <a:pPr algn="ctr"/>
+              <a:r>
+                <a:rPr lang="zh-CN" altLang="en-US" dirty="0">
+                  <a:solidFill>
+                    <a:schemeClr val="tx1"/>
+                  </a:solidFill>
+                </a:rPr>
+                <a:t>数据</a:t>
+              </a:r>
+              <a:r>
+                <a:rPr lang="en-US" altLang="zh-CN" dirty="0">
+                  <a:solidFill>
+                    <a:schemeClr val="tx1"/>
+                  </a:solidFill>
+                </a:rPr>
+                <a:t>1</a:t>
+              </a:r>
+              <a:endParaRPr lang="zh-CN" altLang="en-US" dirty="0">
+                <a:solidFill>
+                  <a:schemeClr val="tx1"/>
+                </a:solidFill>
+              </a:endParaRPr>
+            </a:p>
+          </p:txBody>
+        </p:sp>
+        <p:sp>
+          <p:nvSpPr>
+            <p:cNvPr id="10" name="矩形 9">
+              <a:extLst>
+                <a:ext uri="{FF2B5EF4-FFF2-40B4-BE49-F238E27FC236}">
+                  <a16:creationId xmlns:a16="http://schemas.microsoft.com/office/drawing/2014/main" id="{13B722D3-2CF9-45BD-B6BF-04942911DF04}"/>
+                </a:ext>
+              </a:extLst>
+            </p:cNvPr>
+            <p:cNvSpPr/>
+            <p:nvPr/>
+          </p:nvSpPr>
+          <p:spPr>
+            <a:xfrm>
+              <a:off x="3558097" y="3267260"/>
+              <a:ext cx="1003177" cy="417251"/>
+            </a:xfrm>
+            <a:prstGeom prst="rect">
+              <a:avLst/>
+            </a:prstGeom>
+            <a:solidFill>
+              <a:schemeClr val="bg1"/>
+            </a:solidFill>
+            <a:ln>
+              <a:solidFill>
+                <a:schemeClr val="tx1"/>
+              </a:solidFill>
+            </a:ln>
+            <a:scene3d>
+              <a:camera prst="obliqueTopRight"/>
+              <a:lightRig rig="threePt" dir="t"/>
+            </a:scene3d>
+            <a:sp3d extrusionH="1270000"/>
+          </p:spPr>
+          <p:style>
+            <a:lnRef idx="2">
+              <a:schemeClr val="accent1">
+                <a:shade val="50000"/>
+              </a:schemeClr>
+            </a:lnRef>
+            <a:fillRef idx="1">
+              <a:schemeClr val="accent1"/>
+            </a:fillRef>
+            <a:effectRef idx="0">
+              <a:schemeClr val="accent1"/>
+            </a:effectRef>
+            <a:fontRef idx="minor">
+              <a:schemeClr val="lt1"/>
+            </a:fontRef>
+          </p:style>
+          <p:txBody>
+            <a:bodyPr rtlCol="0" anchor="ctr"/>
+            <a:lstStyle/>
+            <a:p>
+              <a:pPr algn="ctr"/>
+              <a:r>
+                <a:rPr lang="en-US" altLang="zh-CN">
+                  <a:solidFill>
+                    <a:schemeClr val="tx1"/>
+                  </a:solidFill>
+                </a:rPr>
+                <a:t>1</a:t>
+              </a:r>
+              <a:r>
+                <a:rPr lang="zh-CN" altLang="en-US">
+                  <a:solidFill>
+                    <a:schemeClr val="tx1"/>
+                  </a:solidFill>
+                </a:rPr>
+                <a:t>位</a:t>
+              </a:r>
+              <a:endParaRPr lang="zh-CN" altLang="en-US" dirty="0">
+                <a:solidFill>
+                  <a:schemeClr val="tx1"/>
+                </a:solidFill>
+              </a:endParaRPr>
+            </a:p>
+          </p:txBody>
+        </p:sp>
+        <p:sp>
+          <p:nvSpPr>
+            <p:cNvPr id="11" name="矩形 10">
+              <a:extLst>
+                <a:ext uri="{FF2B5EF4-FFF2-40B4-BE49-F238E27FC236}">
+                  <a16:creationId xmlns:a16="http://schemas.microsoft.com/office/drawing/2014/main" id="{90D75F0B-DCDE-473D-942A-64B358A1AC8A}"/>
+                </a:ext>
+              </a:extLst>
+            </p:cNvPr>
+            <p:cNvSpPr/>
+            <p:nvPr/>
+          </p:nvSpPr>
+          <p:spPr>
+            <a:xfrm>
+              <a:off x="3558097" y="2850009"/>
+              <a:ext cx="1003177" cy="417251"/>
+            </a:xfrm>
+            <a:prstGeom prst="rect">
+              <a:avLst/>
+            </a:prstGeom>
+            <a:solidFill>
+              <a:schemeClr val="bg2">
+                <a:lumMod val="75000"/>
+              </a:schemeClr>
+            </a:solidFill>
+            <a:ln>
+              <a:solidFill>
+                <a:schemeClr val="bg2">
+                  <a:lumMod val="75000"/>
+                </a:schemeClr>
+              </a:solidFill>
+            </a:ln>
+            <a:scene3d>
+              <a:camera prst="obliqueTopRight"/>
+              <a:lightRig rig="threePt" dir="t"/>
+            </a:scene3d>
+            <a:sp3d extrusionH="1270000"/>
+          </p:spPr>
+          <p:style>
+            <a:lnRef idx="2">
+              <a:schemeClr val="accent1">
+                <a:shade val="50000"/>
+              </a:schemeClr>
+            </a:lnRef>
+            <a:fillRef idx="1">
+              <a:schemeClr val="accent1"/>
+            </a:fillRef>
+            <a:effectRef idx="0">
+              <a:schemeClr val="accent1"/>
+            </a:effectRef>
+            <a:fontRef idx="minor">
+              <a:schemeClr val="lt1"/>
+            </a:fontRef>
+          </p:style>
+          <p:txBody>
+            <a:bodyPr rtlCol="0" anchor="ctr"/>
+            <a:lstStyle/>
+            <a:p>
+              <a:pPr algn="ctr"/>
+              <a:r>
+                <a:rPr lang="zh-CN" altLang="en-US" dirty="0">
+                  <a:solidFill>
+                    <a:schemeClr val="tx1"/>
+                  </a:solidFill>
+                </a:rPr>
+                <a:t>数据</a:t>
+              </a:r>
+              <a:r>
+                <a:rPr lang="en-US" altLang="zh-CN" dirty="0">
+                  <a:solidFill>
+                    <a:schemeClr val="tx1"/>
+                  </a:solidFill>
+                </a:rPr>
+                <a:t>2</a:t>
+              </a:r>
+              <a:endParaRPr lang="zh-CN" altLang="en-US" dirty="0">
+                <a:solidFill>
+                  <a:schemeClr val="tx1"/>
+                </a:solidFill>
+              </a:endParaRPr>
+            </a:p>
+          </p:txBody>
+        </p:sp>
+        <p:sp>
+          <p:nvSpPr>
+            <p:cNvPr id="12" name="矩形 11">
+              <a:extLst>
+                <a:ext uri="{FF2B5EF4-FFF2-40B4-BE49-F238E27FC236}">
+                  <a16:creationId xmlns:a16="http://schemas.microsoft.com/office/drawing/2014/main" id="{8D722B7B-5C28-41D7-A99B-935477B347AF}"/>
+                </a:ext>
+              </a:extLst>
+            </p:cNvPr>
+            <p:cNvSpPr/>
+            <p:nvPr/>
+          </p:nvSpPr>
+          <p:spPr>
+            <a:xfrm>
+              <a:off x="4561274" y="3267260"/>
+              <a:ext cx="1003177" cy="417251"/>
+            </a:xfrm>
+            <a:prstGeom prst="rect">
+              <a:avLst/>
+            </a:prstGeom>
+            <a:solidFill>
+              <a:schemeClr val="bg1"/>
+            </a:solidFill>
+            <a:ln>
+              <a:solidFill>
+                <a:schemeClr val="tx1"/>
+              </a:solidFill>
+            </a:ln>
+            <a:scene3d>
+              <a:camera prst="obliqueTopRight"/>
+              <a:lightRig rig="threePt" dir="t"/>
+            </a:scene3d>
+            <a:sp3d extrusionH="1270000"/>
+          </p:spPr>
+          <p:style>
+            <a:lnRef idx="2">
+              <a:schemeClr val="accent1">
+                <a:shade val="50000"/>
+              </a:schemeClr>
+            </a:lnRef>
+            <a:fillRef idx="1">
+              <a:schemeClr val="accent1"/>
+            </a:fillRef>
+            <a:effectRef idx="0">
+              <a:schemeClr val="accent1"/>
+            </a:effectRef>
+            <a:fontRef idx="minor">
+              <a:schemeClr val="lt1"/>
+            </a:fontRef>
+          </p:style>
+          <p:txBody>
+            <a:bodyPr rtlCol="0" anchor="ctr"/>
+            <a:lstStyle/>
+            <a:p>
+              <a:pPr algn="ctr"/>
+              <a:r>
+                <a:rPr lang="en-US" altLang="zh-CN">
+                  <a:solidFill>
+                    <a:schemeClr val="tx1"/>
+                  </a:solidFill>
+                </a:rPr>
+                <a:t>1</a:t>
+              </a:r>
+              <a:r>
+                <a:rPr lang="zh-CN" altLang="en-US">
+                  <a:solidFill>
+                    <a:schemeClr val="tx1"/>
+                  </a:solidFill>
+                </a:rPr>
+                <a:t>位</a:t>
+              </a:r>
+              <a:endParaRPr lang="zh-CN" altLang="en-US" dirty="0">
+                <a:solidFill>
+                  <a:schemeClr val="tx1"/>
+                </a:solidFill>
+              </a:endParaRPr>
+            </a:p>
+          </p:txBody>
+        </p:sp>
+        <p:sp>
+          <p:nvSpPr>
+            <p:cNvPr id="13" name="矩形 12">
+              <a:extLst>
+                <a:ext uri="{FF2B5EF4-FFF2-40B4-BE49-F238E27FC236}">
+                  <a16:creationId xmlns:a16="http://schemas.microsoft.com/office/drawing/2014/main" id="{52847699-0A3F-442B-AFA4-F844AF98A05C}"/>
+                </a:ext>
+              </a:extLst>
+            </p:cNvPr>
+            <p:cNvSpPr/>
+            <p:nvPr/>
+          </p:nvSpPr>
+          <p:spPr>
+            <a:xfrm>
+              <a:off x="4561274" y="2850009"/>
+              <a:ext cx="1003177" cy="417251"/>
+            </a:xfrm>
+            <a:prstGeom prst="rect">
+              <a:avLst/>
+            </a:prstGeom>
+            <a:solidFill>
+              <a:schemeClr val="bg2">
+                <a:lumMod val="75000"/>
+              </a:schemeClr>
+            </a:solidFill>
+            <a:ln>
+              <a:solidFill>
+                <a:schemeClr val="bg2">
+                  <a:lumMod val="75000"/>
+                </a:schemeClr>
+              </a:solidFill>
+            </a:ln>
+            <a:scene3d>
+              <a:camera prst="obliqueTopRight"/>
+              <a:lightRig rig="threePt" dir="t"/>
+            </a:scene3d>
+            <a:sp3d extrusionH="1270000"/>
+          </p:spPr>
+          <p:style>
+            <a:lnRef idx="2">
+              <a:schemeClr val="accent1">
+                <a:shade val="50000"/>
+              </a:schemeClr>
+            </a:lnRef>
+            <a:fillRef idx="1">
+              <a:schemeClr val="accent1"/>
+            </a:fillRef>
+            <a:effectRef idx="0">
+              <a:schemeClr val="accent1"/>
+            </a:effectRef>
+            <a:fontRef idx="minor">
+              <a:schemeClr val="lt1"/>
+            </a:fontRef>
+          </p:style>
+          <p:txBody>
+            <a:bodyPr rtlCol="0" anchor="ctr"/>
+            <a:lstStyle/>
+            <a:p>
+              <a:pPr algn="ctr"/>
+              <a:r>
+                <a:rPr lang="zh-CN" altLang="en-US" dirty="0">
+                  <a:solidFill>
+                    <a:schemeClr val="tx1"/>
+                  </a:solidFill>
+                </a:rPr>
+                <a:t>数据</a:t>
+              </a:r>
+              <a:r>
+                <a:rPr lang="en-US" altLang="zh-CN" dirty="0">
+                  <a:solidFill>
+                    <a:schemeClr val="tx1"/>
+                  </a:solidFill>
+                </a:rPr>
+                <a:t>3</a:t>
+              </a:r>
+              <a:endParaRPr lang="zh-CN" altLang="en-US" dirty="0">
+                <a:solidFill>
+                  <a:schemeClr val="tx1"/>
+                </a:solidFill>
+              </a:endParaRPr>
+            </a:p>
+          </p:txBody>
+        </p:sp>
+        <p:sp>
+          <p:nvSpPr>
+            <p:cNvPr id="14" name="矩形 13">
+              <a:extLst>
+                <a:ext uri="{FF2B5EF4-FFF2-40B4-BE49-F238E27FC236}">
+                  <a16:creationId xmlns:a16="http://schemas.microsoft.com/office/drawing/2014/main" id="{CCC4C8D0-6E57-429E-8062-D02280E0A650}"/>
+                </a:ext>
+              </a:extLst>
+            </p:cNvPr>
+            <p:cNvSpPr/>
+            <p:nvPr/>
+          </p:nvSpPr>
+          <p:spPr>
+            <a:xfrm>
+              <a:off x="5564451" y="3267260"/>
+              <a:ext cx="1003177" cy="417251"/>
+            </a:xfrm>
+            <a:prstGeom prst="rect">
+              <a:avLst/>
+            </a:prstGeom>
+            <a:solidFill>
+              <a:schemeClr val="bg1"/>
+            </a:solidFill>
+            <a:ln>
+              <a:solidFill>
+                <a:schemeClr val="tx1"/>
+              </a:solidFill>
+            </a:ln>
+            <a:scene3d>
+              <a:camera prst="obliqueTopRight"/>
+              <a:lightRig rig="threePt" dir="t"/>
+            </a:scene3d>
+            <a:sp3d extrusionH="1270000"/>
+          </p:spPr>
+          <p:style>
+            <a:lnRef idx="2">
+              <a:schemeClr val="accent1">
+                <a:shade val="50000"/>
+              </a:schemeClr>
+            </a:lnRef>
+            <a:fillRef idx="1">
+              <a:schemeClr val="accent1"/>
+            </a:fillRef>
+            <a:effectRef idx="0">
+              <a:schemeClr val="accent1"/>
+            </a:effectRef>
+            <a:fontRef idx="minor">
+              <a:schemeClr val="lt1"/>
+            </a:fontRef>
+          </p:style>
+          <p:txBody>
+            <a:bodyPr rtlCol="0" anchor="ctr"/>
+            <a:lstStyle/>
+            <a:p>
+              <a:pPr algn="ctr"/>
+              <a:r>
+                <a:rPr lang="en-US" altLang="zh-CN">
+                  <a:solidFill>
+                    <a:schemeClr val="tx1"/>
+                  </a:solidFill>
+                </a:rPr>
+                <a:t>1</a:t>
+              </a:r>
+              <a:r>
+                <a:rPr lang="zh-CN" altLang="en-US">
+                  <a:solidFill>
+                    <a:schemeClr val="tx1"/>
+                  </a:solidFill>
+                </a:rPr>
+                <a:t>位</a:t>
+              </a:r>
+              <a:endParaRPr lang="zh-CN" altLang="en-US" dirty="0">
+                <a:solidFill>
+                  <a:schemeClr val="tx1"/>
+                </a:solidFill>
+              </a:endParaRPr>
+            </a:p>
+          </p:txBody>
+        </p:sp>
+        <p:sp>
+          <p:nvSpPr>
+            <p:cNvPr id="15" name="矩形 14">
+              <a:extLst>
+                <a:ext uri="{FF2B5EF4-FFF2-40B4-BE49-F238E27FC236}">
+                  <a16:creationId xmlns:a16="http://schemas.microsoft.com/office/drawing/2014/main" id="{04D25122-6E7A-4778-BA37-B45FA8641716}"/>
+                </a:ext>
+              </a:extLst>
+            </p:cNvPr>
+            <p:cNvSpPr/>
+            <p:nvPr/>
+          </p:nvSpPr>
+          <p:spPr>
+            <a:xfrm>
+              <a:off x="5564451" y="2850009"/>
+              <a:ext cx="1003177" cy="417251"/>
+            </a:xfrm>
+            <a:prstGeom prst="rect">
+              <a:avLst/>
+            </a:prstGeom>
+            <a:solidFill>
+              <a:schemeClr val="bg2">
+                <a:lumMod val="75000"/>
+              </a:schemeClr>
+            </a:solidFill>
+            <a:ln>
+              <a:solidFill>
+                <a:schemeClr val="bg2">
+                  <a:lumMod val="75000"/>
+                </a:schemeClr>
+              </a:solidFill>
+            </a:ln>
+            <a:scene3d>
+              <a:camera prst="obliqueTopRight"/>
+              <a:lightRig rig="threePt" dir="t"/>
+            </a:scene3d>
+            <a:sp3d extrusionH="1270000"/>
+          </p:spPr>
+          <p:style>
+            <a:lnRef idx="2">
+              <a:schemeClr val="accent1">
+                <a:shade val="50000"/>
+              </a:schemeClr>
+            </a:lnRef>
+            <a:fillRef idx="1">
+              <a:schemeClr val="accent1"/>
+            </a:fillRef>
+            <a:effectRef idx="0">
+              <a:schemeClr val="accent1"/>
+            </a:effectRef>
+            <a:fontRef idx="minor">
+              <a:schemeClr val="lt1"/>
+            </a:fontRef>
+          </p:style>
+          <p:txBody>
+            <a:bodyPr rtlCol="0" anchor="ctr"/>
+            <a:lstStyle/>
+            <a:p>
+              <a:pPr algn="ctr"/>
+              <a:r>
+                <a:rPr lang="zh-CN" altLang="en-US" dirty="0">
+                  <a:solidFill>
+                    <a:schemeClr val="tx1"/>
+                  </a:solidFill>
+                </a:rPr>
+                <a:t>数据</a:t>
+              </a:r>
+              <a:r>
+                <a:rPr lang="en-US" altLang="zh-CN" dirty="0">
+                  <a:solidFill>
+                    <a:schemeClr val="tx1"/>
+                  </a:solidFill>
+                </a:rPr>
+                <a:t>4</a:t>
+              </a:r>
+              <a:endParaRPr lang="zh-CN" altLang="en-US" dirty="0">
+                <a:solidFill>
+                  <a:schemeClr val="tx1"/>
+                </a:solidFill>
+              </a:endParaRPr>
+            </a:p>
+          </p:txBody>
+        </p:sp>
+        <p:sp>
+          <p:nvSpPr>
+            <p:cNvPr id="16" name="矩形 15">
+              <a:extLst>
+                <a:ext uri="{FF2B5EF4-FFF2-40B4-BE49-F238E27FC236}">
+                  <a16:creationId xmlns:a16="http://schemas.microsoft.com/office/drawing/2014/main" id="{855BBD49-A739-4A77-BE2C-934D1D4F92AE}"/>
+                </a:ext>
+              </a:extLst>
+            </p:cNvPr>
+            <p:cNvSpPr/>
+            <p:nvPr/>
+          </p:nvSpPr>
+          <p:spPr>
+            <a:xfrm>
+              <a:off x="6567628" y="3267260"/>
+              <a:ext cx="1003177" cy="417251"/>
+            </a:xfrm>
+            <a:prstGeom prst="rect">
+              <a:avLst/>
+            </a:prstGeom>
+            <a:solidFill>
+              <a:schemeClr val="bg1"/>
+            </a:solidFill>
+            <a:ln>
+              <a:solidFill>
+                <a:schemeClr val="tx1"/>
+              </a:solidFill>
+            </a:ln>
+            <a:scene3d>
+              <a:camera prst="obliqueTopRight"/>
+              <a:lightRig rig="threePt" dir="t"/>
+            </a:scene3d>
+            <a:sp3d extrusionH="1270000"/>
+          </p:spPr>
+          <p:style>
+            <a:lnRef idx="2">
+              <a:schemeClr val="accent1">
+                <a:shade val="50000"/>
+              </a:schemeClr>
+            </a:lnRef>
+            <a:fillRef idx="1">
+              <a:schemeClr val="accent1"/>
+            </a:fillRef>
+            <a:effectRef idx="0">
+              <a:schemeClr val="accent1"/>
+            </a:effectRef>
+            <a:fontRef idx="minor">
+              <a:schemeClr val="lt1"/>
+            </a:fontRef>
+          </p:style>
+          <p:txBody>
+            <a:bodyPr rtlCol="0" anchor="ctr"/>
+            <a:lstStyle/>
+            <a:p>
+              <a:pPr algn="ctr"/>
+              <a:r>
+                <a:rPr lang="en-US" altLang="zh-CN">
+                  <a:solidFill>
+                    <a:schemeClr val="tx1"/>
+                  </a:solidFill>
+                </a:rPr>
+                <a:t>1</a:t>
+              </a:r>
+              <a:r>
+                <a:rPr lang="zh-CN" altLang="en-US">
+                  <a:solidFill>
+                    <a:schemeClr val="tx1"/>
+                  </a:solidFill>
+                </a:rPr>
+                <a:t>位</a:t>
+              </a:r>
+              <a:endParaRPr lang="zh-CN" altLang="en-US" dirty="0">
+                <a:solidFill>
+                  <a:schemeClr val="tx1"/>
+                </a:solidFill>
+              </a:endParaRPr>
+            </a:p>
+          </p:txBody>
+        </p:sp>
+        <p:sp>
+          <p:nvSpPr>
+            <p:cNvPr id="17" name="矩形 16">
+              <a:extLst>
+                <a:ext uri="{FF2B5EF4-FFF2-40B4-BE49-F238E27FC236}">
+                  <a16:creationId xmlns:a16="http://schemas.microsoft.com/office/drawing/2014/main" id="{EC02FF07-37E7-4458-9012-F7D878F76EBA}"/>
+                </a:ext>
+              </a:extLst>
+            </p:cNvPr>
+            <p:cNvSpPr/>
+            <p:nvPr/>
+          </p:nvSpPr>
+          <p:spPr>
+            <a:xfrm>
+              <a:off x="6567628" y="2850009"/>
+              <a:ext cx="1003177" cy="417251"/>
+            </a:xfrm>
+            <a:prstGeom prst="rect">
+              <a:avLst/>
+            </a:prstGeom>
+            <a:solidFill>
+              <a:schemeClr val="bg2">
+                <a:lumMod val="75000"/>
+              </a:schemeClr>
+            </a:solidFill>
+            <a:ln>
+              <a:solidFill>
+                <a:schemeClr val="bg2">
+                  <a:lumMod val="75000"/>
+                </a:schemeClr>
+              </a:solidFill>
+            </a:ln>
+            <a:scene3d>
+              <a:camera prst="obliqueTopRight"/>
+              <a:lightRig rig="threePt" dir="t"/>
+            </a:scene3d>
+            <a:sp3d extrusionH="1270000"/>
+          </p:spPr>
+          <p:style>
+            <a:lnRef idx="2">
+              <a:schemeClr val="accent1">
+                <a:shade val="50000"/>
+              </a:schemeClr>
+            </a:lnRef>
+            <a:fillRef idx="1">
+              <a:schemeClr val="accent1"/>
+            </a:fillRef>
+            <a:effectRef idx="0">
+              <a:schemeClr val="accent1"/>
+            </a:effectRef>
+            <a:fontRef idx="minor">
+              <a:schemeClr val="lt1"/>
+            </a:fontRef>
+          </p:style>
+          <p:txBody>
+            <a:bodyPr rtlCol="0" anchor="ctr"/>
+            <a:lstStyle/>
+            <a:p>
+              <a:pPr algn="ctr"/>
+              <a:r>
+                <a:rPr lang="zh-CN" altLang="en-US" dirty="0">
+                  <a:solidFill>
+                    <a:schemeClr val="tx1"/>
+                  </a:solidFill>
+                </a:rPr>
+                <a:t>数据</a:t>
+              </a:r>
+              <a:r>
+                <a:rPr lang="en-US" altLang="zh-CN" dirty="0">
+                  <a:solidFill>
+                    <a:schemeClr val="tx1"/>
+                  </a:solidFill>
+                </a:rPr>
+                <a:t>5</a:t>
+              </a:r>
+              <a:endParaRPr lang="zh-CN" altLang="en-US" dirty="0">
+                <a:solidFill>
+                  <a:schemeClr val="tx1"/>
+                </a:solidFill>
+              </a:endParaRPr>
+            </a:p>
+          </p:txBody>
+        </p:sp>
+        <p:sp>
+          <p:nvSpPr>
+            <p:cNvPr id="18" name="矩形 17">
+              <a:extLst>
+                <a:ext uri="{FF2B5EF4-FFF2-40B4-BE49-F238E27FC236}">
+                  <a16:creationId xmlns:a16="http://schemas.microsoft.com/office/drawing/2014/main" id="{F15E9389-9AAC-4A61-A635-C46CB739C313}"/>
+                </a:ext>
+              </a:extLst>
+            </p:cNvPr>
+            <p:cNvSpPr/>
+            <p:nvPr/>
+          </p:nvSpPr>
+          <p:spPr>
+            <a:xfrm>
+              <a:off x="7570805" y="3267260"/>
+              <a:ext cx="1003177" cy="417251"/>
+            </a:xfrm>
+            <a:prstGeom prst="rect">
+              <a:avLst/>
+            </a:prstGeom>
+            <a:solidFill>
+              <a:schemeClr val="bg1"/>
+            </a:solidFill>
+            <a:ln>
+              <a:solidFill>
+                <a:schemeClr val="tx1"/>
+              </a:solidFill>
+            </a:ln>
+            <a:scene3d>
+              <a:camera prst="obliqueTopRight"/>
+              <a:lightRig rig="threePt" dir="t"/>
+            </a:scene3d>
+            <a:sp3d extrusionH="1270000"/>
+          </p:spPr>
+          <p:style>
+            <a:lnRef idx="2">
+              <a:schemeClr val="accent1">
+                <a:shade val="50000"/>
+              </a:schemeClr>
+            </a:lnRef>
+            <a:fillRef idx="1">
+              <a:schemeClr val="accent1"/>
+            </a:fillRef>
+            <a:effectRef idx="0">
+              <a:schemeClr val="accent1"/>
+            </a:effectRef>
+            <a:fontRef idx="minor">
+              <a:schemeClr val="lt1"/>
+            </a:fontRef>
+          </p:style>
+          <p:txBody>
+            <a:bodyPr rtlCol="0" anchor="ctr"/>
+            <a:lstStyle/>
+            <a:p>
+              <a:pPr algn="ctr"/>
+              <a:r>
+                <a:rPr lang="en-US" altLang="zh-CN">
+                  <a:solidFill>
+                    <a:schemeClr val="tx1"/>
+                  </a:solidFill>
+                </a:rPr>
+                <a:t>1</a:t>
+              </a:r>
+              <a:r>
+                <a:rPr lang="zh-CN" altLang="en-US">
+                  <a:solidFill>
+                    <a:schemeClr val="tx1"/>
+                  </a:solidFill>
+                </a:rPr>
+                <a:t>位</a:t>
+              </a:r>
+              <a:endParaRPr lang="zh-CN" altLang="en-US" dirty="0">
+                <a:solidFill>
+                  <a:schemeClr val="tx1"/>
+                </a:solidFill>
+              </a:endParaRPr>
+            </a:p>
+          </p:txBody>
+        </p:sp>
+        <p:sp>
+          <p:nvSpPr>
+            <p:cNvPr id="19" name="矩形 18">
+              <a:extLst>
+                <a:ext uri="{FF2B5EF4-FFF2-40B4-BE49-F238E27FC236}">
+                  <a16:creationId xmlns:a16="http://schemas.microsoft.com/office/drawing/2014/main" id="{6369FC1A-FD38-4E3D-A692-3F6603C13BD0}"/>
+                </a:ext>
+              </a:extLst>
+            </p:cNvPr>
+            <p:cNvSpPr/>
+            <p:nvPr/>
+          </p:nvSpPr>
+          <p:spPr>
+            <a:xfrm>
+              <a:off x="7570805" y="2850009"/>
+              <a:ext cx="1003177" cy="417251"/>
+            </a:xfrm>
+            <a:prstGeom prst="rect">
+              <a:avLst/>
+            </a:prstGeom>
+            <a:solidFill>
+              <a:schemeClr val="bg2">
+                <a:lumMod val="75000"/>
+              </a:schemeClr>
+            </a:solidFill>
+            <a:ln>
+              <a:solidFill>
+                <a:schemeClr val="bg2">
+                  <a:lumMod val="75000"/>
+                </a:schemeClr>
+              </a:solidFill>
+            </a:ln>
+            <a:scene3d>
+              <a:camera prst="obliqueTopRight"/>
+              <a:lightRig rig="threePt" dir="t"/>
+            </a:scene3d>
+            <a:sp3d extrusionH="1270000"/>
+          </p:spPr>
+          <p:style>
+            <a:lnRef idx="2">
+              <a:schemeClr val="accent1">
+                <a:shade val="50000"/>
+              </a:schemeClr>
+            </a:lnRef>
+            <a:fillRef idx="1">
+              <a:schemeClr val="accent1"/>
+            </a:fillRef>
+            <a:effectRef idx="0">
+              <a:schemeClr val="accent1"/>
+            </a:effectRef>
+            <a:fontRef idx="minor">
+              <a:schemeClr val="lt1"/>
+            </a:fontRef>
+          </p:style>
+          <p:txBody>
+            <a:bodyPr rtlCol="0" anchor="ctr"/>
+            <a:lstStyle/>
+            <a:p>
+              <a:pPr algn="ctr"/>
+              <a:r>
+                <a:rPr lang="zh-CN" altLang="en-US" dirty="0">
+                  <a:solidFill>
+                    <a:schemeClr val="tx1"/>
+                  </a:solidFill>
+                </a:rPr>
+                <a:t>数据</a:t>
+              </a:r>
+              <a:r>
+                <a:rPr lang="en-US" altLang="zh-CN" dirty="0">
+                  <a:solidFill>
+                    <a:schemeClr val="tx1"/>
+                  </a:solidFill>
+                </a:rPr>
+                <a:t>6</a:t>
+              </a:r>
+              <a:endParaRPr lang="zh-CN" altLang="en-US" dirty="0">
+                <a:solidFill>
+                  <a:schemeClr val="tx1"/>
+                </a:solidFill>
+              </a:endParaRPr>
+            </a:p>
+          </p:txBody>
+        </p:sp>
+        <p:sp>
+          <p:nvSpPr>
+            <p:cNvPr id="20" name="矩形 19">
+              <a:extLst>
+                <a:ext uri="{FF2B5EF4-FFF2-40B4-BE49-F238E27FC236}">
+                  <a16:creationId xmlns:a16="http://schemas.microsoft.com/office/drawing/2014/main" id="{EFD13371-2499-4FF0-8D4B-FE4230FE4944}"/>
+                </a:ext>
+              </a:extLst>
+            </p:cNvPr>
+            <p:cNvSpPr/>
+            <p:nvPr/>
+          </p:nvSpPr>
+          <p:spPr>
+            <a:xfrm>
+              <a:off x="8573982" y="3267260"/>
+              <a:ext cx="1003177" cy="417251"/>
+            </a:xfrm>
+            <a:prstGeom prst="rect">
+              <a:avLst/>
+            </a:prstGeom>
+            <a:solidFill>
+              <a:schemeClr val="bg1"/>
+            </a:solidFill>
+            <a:ln>
+              <a:solidFill>
+                <a:schemeClr val="tx1"/>
+              </a:solidFill>
+            </a:ln>
+            <a:scene3d>
+              <a:camera prst="obliqueTopRight"/>
+              <a:lightRig rig="threePt" dir="t"/>
+            </a:scene3d>
+            <a:sp3d extrusionH="1270000"/>
+          </p:spPr>
+          <p:style>
+            <a:lnRef idx="2">
+              <a:schemeClr val="accent1">
+                <a:shade val="50000"/>
+              </a:schemeClr>
+            </a:lnRef>
+            <a:fillRef idx="1">
+              <a:schemeClr val="accent1"/>
+            </a:fillRef>
+            <a:effectRef idx="0">
+              <a:schemeClr val="accent1"/>
+            </a:effectRef>
+            <a:fontRef idx="minor">
+              <a:schemeClr val="lt1"/>
+            </a:fontRef>
+          </p:style>
+          <p:txBody>
+            <a:bodyPr rtlCol="0" anchor="ctr"/>
+            <a:lstStyle/>
+            <a:p>
+              <a:pPr algn="ctr"/>
+              <a:r>
+                <a:rPr lang="en-US" altLang="zh-CN">
+                  <a:solidFill>
+                    <a:schemeClr val="tx1"/>
+                  </a:solidFill>
+                </a:rPr>
+                <a:t>1</a:t>
+              </a:r>
+              <a:r>
+                <a:rPr lang="zh-CN" altLang="en-US">
+                  <a:solidFill>
+                    <a:schemeClr val="tx1"/>
+                  </a:solidFill>
+                </a:rPr>
+                <a:t>位</a:t>
+              </a:r>
+              <a:endParaRPr lang="zh-CN" altLang="en-US" dirty="0">
+                <a:solidFill>
+                  <a:schemeClr val="tx1"/>
+                </a:solidFill>
+              </a:endParaRPr>
+            </a:p>
+          </p:txBody>
+        </p:sp>
+        <p:sp>
+          <p:nvSpPr>
+            <p:cNvPr id="21" name="矩形 20">
+              <a:extLst>
+                <a:ext uri="{FF2B5EF4-FFF2-40B4-BE49-F238E27FC236}">
+                  <a16:creationId xmlns:a16="http://schemas.microsoft.com/office/drawing/2014/main" id="{00A04DBF-7C66-4BCA-8582-186FB3378D78}"/>
+                </a:ext>
+              </a:extLst>
+            </p:cNvPr>
+            <p:cNvSpPr/>
+            <p:nvPr/>
+          </p:nvSpPr>
+          <p:spPr>
+            <a:xfrm>
+              <a:off x="8573982" y="2850009"/>
+              <a:ext cx="1003177" cy="417251"/>
+            </a:xfrm>
+            <a:prstGeom prst="rect">
+              <a:avLst/>
+            </a:prstGeom>
+            <a:solidFill>
+              <a:schemeClr val="bg2">
+                <a:lumMod val="75000"/>
+              </a:schemeClr>
+            </a:solidFill>
+            <a:ln>
+              <a:solidFill>
+                <a:schemeClr val="bg2">
+                  <a:lumMod val="75000"/>
+                </a:schemeClr>
+              </a:solidFill>
+            </a:ln>
+            <a:scene3d>
+              <a:camera prst="obliqueTopRight"/>
+              <a:lightRig rig="threePt" dir="t"/>
+            </a:scene3d>
+            <a:sp3d extrusionH="1270000"/>
+          </p:spPr>
+          <p:style>
+            <a:lnRef idx="2">
+              <a:schemeClr val="accent1">
+                <a:shade val="50000"/>
+              </a:schemeClr>
+            </a:lnRef>
+            <a:fillRef idx="1">
+              <a:schemeClr val="accent1"/>
+            </a:fillRef>
+            <a:effectRef idx="0">
+              <a:schemeClr val="accent1"/>
+            </a:effectRef>
+            <a:fontRef idx="minor">
+              <a:schemeClr val="lt1"/>
+            </a:fontRef>
+          </p:style>
+          <p:txBody>
+            <a:bodyPr rtlCol="0" anchor="ctr"/>
+            <a:lstStyle/>
+            <a:p>
+              <a:pPr algn="ctr"/>
+              <a:r>
+                <a:rPr lang="zh-CN" altLang="en-US" dirty="0">
+                  <a:solidFill>
+                    <a:schemeClr val="tx1"/>
+                  </a:solidFill>
+                </a:rPr>
+                <a:t>数据</a:t>
+              </a:r>
+              <a:r>
+                <a:rPr lang="en-US" altLang="zh-CN" dirty="0">
+                  <a:solidFill>
+                    <a:schemeClr val="tx1"/>
+                  </a:solidFill>
+                </a:rPr>
+                <a:t>7</a:t>
+              </a:r>
+              <a:endParaRPr lang="zh-CN" altLang="en-US" dirty="0">
+                <a:solidFill>
+                  <a:schemeClr val="tx1"/>
+                </a:solidFill>
+              </a:endParaRPr>
+            </a:p>
+          </p:txBody>
+        </p:sp>
+        <p:sp>
+          <p:nvSpPr>
+            <p:cNvPr id="22" name="矩形 21">
+              <a:extLst>
+                <a:ext uri="{FF2B5EF4-FFF2-40B4-BE49-F238E27FC236}">
+                  <a16:creationId xmlns:a16="http://schemas.microsoft.com/office/drawing/2014/main" id="{B8AB2ACB-4366-4C6E-9370-18314C9A897C}"/>
+                </a:ext>
+              </a:extLst>
+            </p:cNvPr>
+            <p:cNvSpPr/>
+            <p:nvPr/>
+          </p:nvSpPr>
+          <p:spPr>
+            <a:xfrm>
+              <a:off x="9577159" y="3267260"/>
+              <a:ext cx="1003177" cy="417251"/>
+            </a:xfrm>
+            <a:prstGeom prst="rect">
+              <a:avLst/>
+            </a:prstGeom>
+            <a:solidFill>
+              <a:schemeClr val="bg1"/>
+            </a:solidFill>
+            <a:ln>
+              <a:solidFill>
+                <a:schemeClr val="tx1"/>
+              </a:solidFill>
+            </a:ln>
+            <a:scene3d>
+              <a:camera prst="obliqueTopRight"/>
+              <a:lightRig rig="threePt" dir="t"/>
+            </a:scene3d>
+            <a:sp3d extrusionH="1270000"/>
+          </p:spPr>
+          <p:style>
+            <a:lnRef idx="2">
+              <a:schemeClr val="accent1">
+                <a:shade val="50000"/>
+              </a:schemeClr>
+            </a:lnRef>
+            <a:fillRef idx="1">
+              <a:schemeClr val="accent1"/>
+            </a:fillRef>
+            <a:effectRef idx="0">
+              <a:schemeClr val="accent1"/>
+            </a:effectRef>
+            <a:fontRef idx="minor">
+              <a:schemeClr val="lt1"/>
+            </a:fontRef>
+          </p:style>
+          <p:txBody>
+            <a:bodyPr rtlCol="0" anchor="ctr"/>
+            <a:lstStyle/>
+            <a:p>
+              <a:pPr algn="ctr"/>
+              <a:r>
+                <a:rPr lang="en-US" altLang="zh-CN" dirty="0">
+                  <a:solidFill>
+                    <a:schemeClr val="tx1"/>
+                  </a:solidFill>
+                </a:rPr>
+                <a:t>1</a:t>
+              </a:r>
+              <a:r>
+                <a:rPr lang="zh-CN" altLang="en-US" dirty="0">
+                  <a:solidFill>
+                    <a:schemeClr val="tx1"/>
+                  </a:solidFill>
+                </a:rPr>
+                <a:t>位</a:t>
+              </a:r>
+            </a:p>
+          </p:txBody>
+        </p:sp>
+        <p:sp>
+          <p:nvSpPr>
+            <p:cNvPr id="23" name="矩形 22">
+              <a:extLst>
+                <a:ext uri="{FF2B5EF4-FFF2-40B4-BE49-F238E27FC236}">
+                  <a16:creationId xmlns:a16="http://schemas.microsoft.com/office/drawing/2014/main" id="{85509AC9-2836-47B8-BDE6-44AC0BBD0CD1}"/>
+                </a:ext>
+              </a:extLst>
+            </p:cNvPr>
+            <p:cNvSpPr/>
+            <p:nvPr/>
+          </p:nvSpPr>
+          <p:spPr>
+            <a:xfrm>
+              <a:off x="9577159" y="2850009"/>
+              <a:ext cx="1003177" cy="417251"/>
+            </a:xfrm>
+            <a:prstGeom prst="rect">
+              <a:avLst/>
+            </a:prstGeom>
+            <a:scene3d>
+              <a:camera prst="obliqueTopRight"/>
+              <a:lightRig rig="threePt" dir="t"/>
+            </a:scene3d>
+            <a:sp3d extrusionH="1270000"/>
+          </p:spPr>
+          <p:style>
+            <a:lnRef idx="2">
+              <a:schemeClr val="accent1">
+                <a:shade val="50000"/>
+              </a:schemeClr>
+            </a:lnRef>
+            <a:fillRef idx="1">
+              <a:schemeClr val="accent1"/>
+            </a:fillRef>
+            <a:effectRef idx="0">
+              <a:schemeClr val="accent1"/>
+            </a:effectRef>
+            <a:fontRef idx="minor">
+              <a:schemeClr val="lt1"/>
+            </a:fontRef>
+          </p:style>
+          <p:txBody>
+            <a:bodyPr rtlCol="0" anchor="ctr"/>
+            <a:lstStyle/>
+            <a:p>
+              <a:pPr algn="ctr"/>
+              <a:r>
+                <a:rPr lang="zh-CN" altLang="en-US" dirty="0">
+                  <a:solidFill>
+                    <a:schemeClr val="tx1"/>
+                  </a:solidFill>
+                </a:rPr>
+                <a:t>奇偶性</a:t>
+              </a:r>
+            </a:p>
+          </p:txBody>
+        </p:sp>
+        <p:sp>
+          <p:nvSpPr>
+            <p:cNvPr id="24" name="矩形 23">
+              <a:extLst>
+                <a:ext uri="{FF2B5EF4-FFF2-40B4-BE49-F238E27FC236}">
+                  <a16:creationId xmlns:a16="http://schemas.microsoft.com/office/drawing/2014/main" id="{AF913778-7A4D-4C8A-8922-04DE3A65F566}"/>
+                </a:ext>
+              </a:extLst>
+            </p:cNvPr>
+            <p:cNvSpPr/>
+            <p:nvPr/>
+          </p:nvSpPr>
+          <p:spPr>
+            <a:xfrm>
+              <a:off x="10580335" y="3267260"/>
+              <a:ext cx="1003177" cy="417251"/>
+            </a:xfrm>
+            <a:prstGeom prst="rect">
+              <a:avLst/>
+            </a:prstGeom>
+            <a:solidFill>
+              <a:schemeClr val="bg1"/>
+            </a:solidFill>
+            <a:ln>
+              <a:solidFill>
+                <a:schemeClr val="tx1"/>
+              </a:solidFill>
+            </a:ln>
+            <a:scene3d>
+              <a:camera prst="obliqueTopRight"/>
+              <a:lightRig rig="threePt" dir="t"/>
+            </a:scene3d>
+            <a:sp3d extrusionH="1270000"/>
+          </p:spPr>
+          <p:style>
+            <a:lnRef idx="2">
+              <a:schemeClr val="accent1">
+                <a:shade val="50000"/>
+              </a:schemeClr>
+            </a:lnRef>
+            <a:fillRef idx="1">
+              <a:schemeClr val="accent1"/>
+            </a:fillRef>
+            <a:effectRef idx="0">
+              <a:schemeClr val="accent1"/>
+            </a:effectRef>
+            <a:fontRef idx="minor">
+              <a:schemeClr val="lt1"/>
+            </a:fontRef>
+          </p:style>
+          <p:txBody>
+            <a:bodyPr rtlCol="0" anchor="ctr"/>
+            <a:lstStyle/>
+            <a:p>
+              <a:pPr algn="ctr"/>
+              <a:r>
+                <a:rPr lang="en-US" altLang="zh-CN" dirty="0">
+                  <a:solidFill>
+                    <a:schemeClr val="tx1"/>
+                  </a:solidFill>
+                </a:rPr>
+                <a:t>1~2</a:t>
+              </a:r>
+              <a:r>
+                <a:rPr lang="zh-CN" altLang="en-US" dirty="0">
+                  <a:solidFill>
+                    <a:schemeClr val="tx1"/>
+                  </a:solidFill>
+                </a:rPr>
+                <a:t>位</a:t>
+              </a:r>
+            </a:p>
+          </p:txBody>
+        </p:sp>
+        <p:sp>
+          <p:nvSpPr>
+            <p:cNvPr id="25" name="矩形 24">
+              <a:extLst>
+                <a:ext uri="{FF2B5EF4-FFF2-40B4-BE49-F238E27FC236}">
+                  <a16:creationId xmlns:a16="http://schemas.microsoft.com/office/drawing/2014/main" id="{94BBFE38-2469-4F55-AAA9-A5F03C35E320}"/>
+                </a:ext>
+              </a:extLst>
+            </p:cNvPr>
+            <p:cNvSpPr/>
+            <p:nvPr/>
+          </p:nvSpPr>
+          <p:spPr>
+            <a:xfrm>
+              <a:off x="10580336" y="2850009"/>
+              <a:ext cx="1003177" cy="417251"/>
+            </a:xfrm>
+            <a:prstGeom prst="rect">
+              <a:avLst/>
+            </a:prstGeom>
+            <a:solidFill>
+              <a:srgbClr val="FF0000"/>
+            </a:solidFill>
+            <a:ln>
+              <a:solidFill>
+                <a:srgbClr val="FF0000"/>
+              </a:solidFill>
+            </a:ln>
+            <a:scene3d>
+              <a:camera prst="obliqueTopRight"/>
+              <a:lightRig rig="threePt" dir="t"/>
+            </a:scene3d>
+            <a:sp3d extrusionH="1270000"/>
+          </p:spPr>
+          <p:style>
+            <a:lnRef idx="2">
+              <a:schemeClr val="accent1">
+                <a:shade val="50000"/>
+              </a:schemeClr>
+            </a:lnRef>
+            <a:fillRef idx="1">
+              <a:schemeClr val="accent1"/>
+            </a:fillRef>
+            <a:effectRef idx="0">
+              <a:schemeClr val="accent1"/>
+            </a:effectRef>
+            <a:fontRef idx="minor">
+              <a:schemeClr val="lt1"/>
+            </a:fontRef>
+          </p:style>
+          <p:txBody>
+            <a:bodyPr rtlCol="0" anchor="ctr"/>
+            <a:lstStyle/>
+            <a:p>
+              <a:pPr algn="ctr"/>
+              <a:r>
+                <a:rPr lang="zh-CN" altLang="en-US" dirty="0">
+                  <a:solidFill>
+                    <a:schemeClr val="tx1"/>
+                  </a:solidFill>
+                </a:rPr>
+                <a:t>停止</a:t>
+              </a:r>
+            </a:p>
+          </p:txBody>
+        </p:sp>
+        <p:cxnSp>
+          <p:nvCxnSpPr>
+            <p:cNvPr id="29" name="直接连接符 28">
+              <a:extLst>
+                <a:ext uri="{FF2B5EF4-FFF2-40B4-BE49-F238E27FC236}">
+                  <a16:creationId xmlns:a16="http://schemas.microsoft.com/office/drawing/2014/main" id="{92A04086-6FA1-49CE-9A23-861726CAE9A2}"/>
+                </a:ext>
+              </a:extLst>
+            </p:cNvPr>
+            <p:cNvCxnSpPr>
+              <a:cxnSpLocks/>
+            </p:cNvCxnSpPr>
+            <p:nvPr/>
+          </p:nvCxnSpPr>
+          <p:spPr>
+            <a:xfrm>
+              <a:off x="1545831" y="2850009"/>
+              <a:ext cx="0" cy="834502"/>
+            </a:xfrm>
+            <a:prstGeom prst="line">
+              <a:avLst/>
+            </a:prstGeom>
+          </p:spPr>
+          <p:style>
+            <a:lnRef idx="3">
+              <a:schemeClr val="dk1"/>
+            </a:lnRef>
+            <a:fillRef idx="0">
+              <a:schemeClr val="dk1"/>
+            </a:fillRef>
+            <a:effectRef idx="2">
+              <a:schemeClr val="dk1"/>
+            </a:effectRef>
+            <a:fontRef idx="minor">
+              <a:schemeClr val="tx1"/>
+            </a:fontRef>
+          </p:style>
+        </p:cxnSp>
+        <p:cxnSp>
+          <p:nvCxnSpPr>
+            <p:cNvPr id="30" name="直接连接符 29">
+              <a:extLst>
+                <a:ext uri="{FF2B5EF4-FFF2-40B4-BE49-F238E27FC236}">
+                  <a16:creationId xmlns:a16="http://schemas.microsoft.com/office/drawing/2014/main" id="{D4975961-BF45-4846-8C1A-941FDF5CB10E}"/>
+                </a:ext>
+              </a:extLst>
+            </p:cNvPr>
+            <p:cNvCxnSpPr>
+              <a:cxnSpLocks/>
+            </p:cNvCxnSpPr>
+            <p:nvPr/>
+          </p:nvCxnSpPr>
+          <p:spPr>
+            <a:xfrm>
+              <a:off x="2551351" y="2850009"/>
+              <a:ext cx="0" cy="834502"/>
+            </a:xfrm>
+            <a:prstGeom prst="line">
+              <a:avLst/>
+            </a:prstGeom>
+          </p:spPr>
+          <p:style>
+            <a:lnRef idx="3">
+              <a:schemeClr val="dk1"/>
+            </a:lnRef>
+            <a:fillRef idx="0">
+              <a:schemeClr val="dk1"/>
+            </a:fillRef>
+            <a:effectRef idx="2">
+              <a:schemeClr val="dk1"/>
+            </a:effectRef>
+            <a:fontRef idx="minor">
+              <a:schemeClr val="tx1"/>
+            </a:fontRef>
+          </p:style>
+        </p:cxnSp>
+        <p:cxnSp>
+          <p:nvCxnSpPr>
+            <p:cNvPr id="31" name="直接连接符 30">
+              <a:extLst>
+                <a:ext uri="{FF2B5EF4-FFF2-40B4-BE49-F238E27FC236}">
+                  <a16:creationId xmlns:a16="http://schemas.microsoft.com/office/drawing/2014/main" id="{F28B12B4-6B78-4DF0-9952-87554F3FD94C}"/>
+                </a:ext>
+              </a:extLst>
+            </p:cNvPr>
+            <p:cNvCxnSpPr>
+              <a:cxnSpLocks/>
+            </p:cNvCxnSpPr>
+            <p:nvPr/>
+          </p:nvCxnSpPr>
+          <p:spPr>
+            <a:xfrm>
+              <a:off x="3554528" y="2848104"/>
+              <a:ext cx="0" cy="834502"/>
+            </a:xfrm>
+            <a:prstGeom prst="line">
+              <a:avLst/>
+            </a:prstGeom>
+          </p:spPr>
+          <p:style>
+            <a:lnRef idx="3">
+              <a:schemeClr val="dk1"/>
+            </a:lnRef>
+            <a:fillRef idx="0">
+              <a:schemeClr val="dk1"/>
+            </a:fillRef>
+            <a:effectRef idx="2">
+              <a:schemeClr val="dk1"/>
+            </a:effectRef>
+            <a:fontRef idx="minor">
+              <a:schemeClr val="tx1"/>
+            </a:fontRef>
+          </p:style>
+        </p:cxnSp>
+        <p:cxnSp>
+          <p:nvCxnSpPr>
+            <p:cNvPr id="32" name="直接连接符 31">
+              <a:extLst>
+                <a:ext uri="{FF2B5EF4-FFF2-40B4-BE49-F238E27FC236}">
+                  <a16:creationId xmlns:a16="http://schemas.microsoft.com/office/drawing/2014/main" id="{50B87F19-4A07-40DD-82FD-4D6B2F944460}"/>
+                </a:ext>
+              </a:extLst>
+            </p:cNvPr>
+            <p:cNvCxnSpPr>
+              <a:cxnSpLocks/>
+            </p:cNvCxnSpPr>
+            <p:nvPr/>
+          </p:nvCxnSpPr>
+          <p:spPr>
+            <a:xfrm>
+              <a:off x="4561274" y="2850009"/>
+              <a:ext cx="0" cy="834502"/>
+            </a:xfrm>
+            <a:prstGeom prst="line">
+              <a:avLst/>
+            </a:prstGeom>
+          </p:spPr>
+          <p:style>
+            <a:lnRef idx="3">
+              <a:schemeClr val="dk1"/>
+            </a:lnRef>
+            <a:fillRef idx="0">
+              <a:schemeClr val="dk1"/>
+            </a:fillRef>
+            <a:effectRef idx="2">
+              <a:schemeClr val="dk1"/>
+            </a:effectRef>
+            <a:fontRef idx="minor">
+              <a:schemeClr val="tx1"/>
+            </a:fontRef>
+          </p:style>
+        </p:cxnSp>
+        <p:cxnSp>
+          <p:nvCxnSpPr>
+            <p:cNvPr id="33" name="直接连接符 32">
+              <a:extLst>
+                <a:ext uri="{FF2B5EF4-FFF2-40B4-BE49-F238E27FC236}">
+                  <a16:creationId xmlns:a16="http://schemas.microsoft.com/office/drawing/2014/main" id="{3D0B1752-6A0A-474D-A168-6566A1A7DA84}"/>
+                </a:ext>
+              </a:extLst>
+            </p:cNvPr>
+            <p:cNvCxnSpPr>
+              <a:cxnSpLocks/>
+            </p:cNvCxnSpPr>
+            <p:nvPr/>
+          </p:nvCxnSpPr>
+          <p:spPr>
+            <a:xfrm>
+              <a:off x="5564451" y="2850009"/>
+              <a:ext cx="0" cy="834502"/>
+            </a:xfrm>
+            <a:prstGeom prst="line">
+              <a:avLst/>
+            </a:prstGeom>
+          </p:spPr>
+          <p:style>
+            <a:lnRef idx="3">
+              <a:schemeClr val="dk1"/>
+            </a:lnRef>
+            <a:fillRef idx="0">
+              <a:schemeClr val="dk1"/>
+            </a:fillRef>
+            <a:effectRef idx="2">
+              <a:schemeClr val="dk1"/>
+            </a:effectRef>
+            <a:fontRef idx="minor">
+              <a:schemeClr val="tx1"/>
+            </a:fontRef>
+          </p:style>
+        </p:cxnSp>
+        <p:cxnSp>
+          <p:nvCxnSpPr>
+            <p:cNvPr id="34" name="直接连接符 33">
+              <a:extLst>
+                <a:ext uri="{FF2B5EF4-FFF2-40B4-BE49-F238E27FC236}">
+                  <a16:creationId xmlns:a16="http://schemas.microsoft.com/office/drawing/2014/main" id="{E0F3F01F-C41E-471E-92AC-19D03A74F339}"/>
+                </a:ext>
+              </a:extLst>
+            </p:cNvPr>
+            <p:cNvCxnSpPr>
+              <a:cxnSpLocks/>
+            </p:cNvCxnSpPr>
+            <p:nvPr/>
+          </p:nvCxnSpPr>
+          <p:spPr>
+            <a:xfrm>
+              <a:off x="6563183" y="2853369"/>
+              <a:ext cx="0" cy="834502"/>
+            </a:xfrm>
+            <a:prstGeom prst="line">
+              <a:avLst/>
+            </a:prstGeom>
+          </p:spPr>
+          <p:style>
+            <a:lnRef idx="3">
+              <a:schemeClr val="dk1"/>
+            </a:lnRef>
+            <a:fillRef idx="0">
+              <a:schemeClr val="dk1"/>
+            </a:fillRef>
+            <a:effectRef idx="2">
+              <a:schemeClr val="dk1"/>
+            </a:effectRef>
+            <a:fontRef idx="minor">
+              <a:schemeClr val="tx1"/>
+            </a:fontRef>
+          </p:style>
+        </p:cxnSp>
+        <p:cxnSp>
+          <p:nvCxnSpPr>
+            <p:cNvPr id="35" name="直接连接符 34">
+              <a:extLst>
+                <a:ext uri="{FF2B5EF4-FFF2-40B4-BE49-F238E27FC236}">
+                  <a16:creationId xmlns:a16="http://schemas.microsoft.com/office/drawing/2014/main" id="{DF7C39CA-A781-4B04-8F08-3F9A34346FBD}"/>
+                </a:ext>
+              </a:extLst>
+            </p:cNvPr>
+            <p:cNvCxnSpPr>
+              <a:cxnSpLocks/>
+            </p:cNvCxnSpPr>
+            <p:nvPr/>
+          </p:nvCxnSpPr>
+          <p:spPr>
+            <a:xfrm>
+              <a:off x="7570805" y="2850009"/>
+              <a:ext cx="0" cy="834502"/>
+            </a:xfrm>
+            <a:prstGeom prst="line">
+              <a:avLst/>
+            </a:prstGeom>
+          </p:spPr>
+          <p:style>
+            <a:lnRef idx="3">
+              <a:schemeClr val="dk1"/>
+            </a:lnRef>
+            <a:fillRef idx="0">
+              <a:schemeClr val="dk1"/>
+            </a:fillRef>
+            <a:effectRef idx="2">
+              <a:schemeClr val="dk1"/>
+            </a:effectRef>
+            <a:fontRef idx="minor">
+              <a:schemeClr val="tx1"/>
+            </a:fontRef>
+          </p:style>
+        </p:cxnSp>
+        <p:cxnSp>
+          <p:nvCxnSpPr>
+            <p:cNvPr id="36" name="直接连接符 35">
+              <a:extLst>
+                <a:ext uri="{FF2B5EF4-FFF2-40B4-BE49-F238E27FC236}">
+                  <a16:creationId xmlns:a16="http://schemas.microsoft.com/office/drawing/2014/main" id="{184220E2-6953-4E9D-AF4A-1273F050BF39}"/>
+                </a:ext>
+              </a:extLst>
+            </p:cNvPr>
+            <p:cNvCxnSpPr>
+              <a:cxnSpLocks/>
+            </p:cNvCxnSpPr>
+            <p:nvPr/>
+          </p:nvCxnSpPr>
+          <p:spPr>
+            <a:xfrm>
+              <a:off x="8573982" y="2854004"/>
+              <a:ext cx="0" cy="834502"/>
+            </a:xfrm>
+            <a:prstGeom prst="line">
+              <a:avLst/>
+            </a:prstGeom>
+          </p:spPr>
+          <p:style>
+            <a:lnRef idx="3">
+              <a:schemeClr val="dk1"/>
+            </a:lnRef>
+            <a:fillRef idx="0">
+              <a:schemeClr val="dk1"/>
+            </a:fillRef>
+            <a:effectRef idx="2">
+              <a:schemeClr val="dk1"/>
+            </a:effectRef>
+            <a:fontRef idx="minor">
+              <a:schemeClr val="tx1"/>
+            </a:fontRef>
+          </p:style>
+        </p:cxnSp>
+        <p:cxnSp>
+          <p:nvCxnSpPr>
+            <p:cNvPr id="37" name="直接连接符 36">
+              <a:extLst>
+                <a:ext uri="{FF2B5EF4-FFF2-40B4-BE49-F238E27FC236}">
+                  <a16:creationId xmlns:a16="http://schemas.microsoft.com/office/drawing/2014/main" id="{C992B7F4-0792-4A51-81D3-173BECD00E8A}"/>
+                </a:ext>
+              </a:extLst>
+            </p:cNvPr>
+            <p:cNvCxnSpPr>
+              <a:cxnSpLocks/>
+            </p:cNvCxnSpPr>
+            <p:nvPr/>
+          </p:nvCxnSpPr>
+          <p:spPr>
+            <a:xfrm>
+              <a:off x="9576130" y="2850009"/>
+              <a:ext cx="0" cy="834502"/>
+            </a:xfrm>
+            <a:prstGeom prst="line">
+              <a:avLst/>
+            </a:prstGeom>
+          </p:spPr>
+          <p:style>
+            <a:lnRef idx="3">
+              <a:schemeClr val="dk1"/>
+            </a:lnRef>
+            <a:fillRef idx="0">
+              <a:schemeClr val="dk1"/>
+            </a:fillRef>
+            <a:effectRef idx="2">
+              <a:schemeClr val="dk1"/>
+            </a:effectRef>
+            <a:fontRef idx="minor">
+              <a:schemeClr val="tx1"/>
+            </a:fontRef>
+          </p:style>
+        </p:cxnSp>
+        <p:cxnSp>
+          <p:nvCxnSpPr>
+            <p:cNvPr id="38" name="直接连接符 37">
+              <a:extLst>
+                <a:ext uri="{FF2B5EF4-FFF2-40B4-BE49-F238E27FC236}">
+                  <a16:creationId xmlns:a16="http://schemas.microsoft.com/office/drawing/2014/main" id="{A5DAE553-960B-4DCC-93F9-B3AFEAC3F9AD}"/>
+                </a:ext>
+              </a:extLst>
+            </p:cNvPr>
+            <p:cNvCxnSpPr>
+              <a:cxnSpLocks/>
+            </p:cNvCxnSpPr>
+            <p:nvPr/>
+          </p:nvCxnSpPr>
+          <p:spPr>
+            <a:xfrm>
+              <a:off x="10575255" y="2850009"/>
+              <a:ext cx="0" cy="834502"/>
+            </a:xfrm>
+            <a:prstGeom prst="line">
+              <a:avLst/>
+            </a:prstGeom>
+          </p:spPr>
+          <p:style>
+            <a:lnRef idx="3">
+              <a:schemeClr val="dk1"/>
+            </a:lnRef>
+            <a:fillRef idx="0">
+              <a:schemeClr val="dk1"/>
+            </a:fillRef>
+            <a:effectRef idx="2">
+              <a:schemeClr val="dk1"/>
+            </a:effectRef>
+            <a:fontRef idx="minor">
+              <a:schemeClr val="tx1"/>
+            </a:fontRef>
+          </p:style>
+        </p:cxnSp>
+        <p:cxnSp>
+          <p:nvCxnSpPr>
+            <p:cNvPr id="42" name="直接连接符 41">
+              <a:extLst>
+                <a:ext uri="{FF2B5EF4-FFF2-40B4-BE49-F238E27FC236}">
+                  <a16:creationId xmlns:a16="http://schemas.microsoft.com/office/drawing/2014/main" id="{8CC512BE-7E4F-44EA-8B83-F306C63BAAA5}"/>
+                </a:ext>
+              </a:extLst>
+            </p:cNvPr>
+            <p:cNvCxnSpPr>
+              <a:cxnSpLocks/>
+            </p:cNvCxnSpPr>
+            <p:nvPr/>
+          </p:nvCxnSpPr>
+          <p:spPr>
+            <a:xfrm>
+              <a:off x="542457" y="2850009"/>
+              <a:ext cx="0" cy="841672"/>
+            </a:xfrm>
+            <a:prstGeom prst="line">
+              <a:avLst/>
+            </a:prstGeom>
+          </p:spPr>
+          <p:style>
+            <a:lnRef idx="3">
+              <a:schemeClr val="dk1"/>
+            </a:lnRef>
+            <a:fillRef idx="0">
+              <a:schemeClr val="dk1"/>
+            </a:fillRef>
+            <a:effectRef idx="2">
+              <a:schemeClr val="dk1"/>
+            </a:effectRef>
+            <a:fontRef idx="minor">
+              <a:schemeClr val="tx1"/>
+            </a:fontRef>
+          </p:style>
+        </p:cxnSp>
+        <p:cxnSp>
+          <p:nvCxnSpPr>
+            <p:cNvPr id="52" name="直接连接符 51">
+              <a:extLst>
+                <a:ext uri="{FF2B5EF4-FFF2-40B4-BE49-F238E27FC236}">
+                  <a16:creationId xmlns:a16="http://schemas.microsoft.com/office/drawing/2014/main" id="{38F64615-D678-417A-9213-5186528F9129}"/>
+                </a:ext>
+              </a:extLst>
+            </p:cNvPr>
+            <p:cNvCxnSpPr>
+              <a:cxnSpLocks/>
+            </p:cNvCxnSpPr>
+            <p:nvPr/>
+          </p:nvCxnSpPr>
+          <p:spPr>
+            <a:xfrm>
+              <a:off x="682157" y="2306320"/>
+              <a:ext cx="0" cy="804151"/>
+            </a:xfrm>
+            <a:prstGeom prst="line">
+              <a:avLst/>
+            </a:prstGeom>
+            <a:ln w="27940"/>
+            <a:scene3d>
+              <a:camera prst="isometricOffAxis2Top">
+                <a:rot lat="17971736" lon="3331783" rev="18900000"/>
+              </a:camera>
+              <a:lightRig rig="threePt" dir="t"/>
+            </a:scene3d>
+          </p:spPr>
+          <p:style>
+            <a:lnRef idx="3">
+              <a:schemeClr val="dk1"/>
+            </a:lnRef>
+            <a:fillRef idx="0">
+              <a:schemeClr val="dk1"/>
+            </a:fillRef>
+            <a:effectRef idx="2">
+              <a:schemeClr val="dk1"/>
+            </a:effectRef>
+            <a:fontRef idx="minor">
+              <a:schemeClr val="tx1"/>
+            </a:fontRef>
+          </p:style>
+        </p:cxnSp>
+        <p:cxnSp>
+          <p:nvCxnSpPr>
+            <p:cNvPr id="55" name="直接连接符 54">
+              <a:extLst>
+                <a:ext uri="{FF2B5EF4-FFF2-40B4-BE49-F238E27FC236}">
+                  <a16:creationId xmlns:a16="http://schemas.microsoft.com/office/drawing/2014/main" id="{8EE9C868-E6F5-404A-B0C0-095A538B0891}"/>
+                </a:ext>
+              </a:extLst>
+            </p:cNvPr>
+            <p:cNvCxnSpPr>
+              <a:cxnSpLocks/>
+            </p:cNvCxnSpPr>
+            <p:nvPr/>
+          </p:nvCxnSpPr>
+          <p:spPr>
+            <a:xfrm>
+              <a:off x="1685457" y="2306319"/>
+              <a:ext cx="0" cy="804151"/>
+            </a:xfrm>
+            <a:prstGeom prst="line">
+              <a:avLst/>
+            </a:prstGeom>
+            <a:ln w="25400"/>
+            <a:scene3d>
+              <a:camera prst="isometricOffAxis2Top">
+                <a:rot lat="17971736" lon="3331783" rev="18900000"/>
+              </a:camera>
+              <a:lightRig rig="threePt" dir="t"/>
+            </a:scene3d>
+          </p:spPr>
+          <p:style>
+            <a:lnRef idx="3">
+              <a:schemeClr val="dk1"/>
+            </a:lnRef>
+            <a:fillRef idx="0">
+              <a:schemeClr val="dk1"/>
+            </a:fillRef>
+            <a:effectRef idx="2">
+              <a:schemeClr val="dk1"/>
+            </a:effectRef>
+            <a:fontRef idx="minor">
+              <a:schemeClr val="tx1"/>
+            </a:fontRef>
+          </p:style>
+        </p:cxnSp>
+        <p:cxnSp>
+          <p:nvCxnSpPr>
+            <p:cNvPr id="56" name="直接连接符 55">
+              <a:extLst>
+                <a:ext uri="{FF2B5EF4-FFF2-40B4-BE49-F238E27FC236}">
+                  <a16:creationId xmlns:a16="http://schemas.microsoft.com/office/drawing/2014/main" id="{A62C14F9-A4B8-4A83-9889-2EC745773F4C}"/>
+                </a:ext>
+              </a:extLst>
+            </p:cNvPr>
+            <p:cNvCxnSpPr>
+              <a:cxnSpLocks/>
+            </p:cNvCxnSpPr>
+            <p:nvPr/>
+          </p:nvCxnSpPr>
+          <p:spPr>
+            <a:xfrm>
+              <a:off x="2688757" y="2306319"/>
+              <a:ext cx="0" cy="804151"/>
+            </a:xfrm>
+            <a:prstGeom prst="line">
+              <a:avLst/>
+            </a:prstGeom>
+            <a:ln w="25400"/>
+            <a:scene3d>
+              <a:camera prst="isometricOffAxis2Top">
+                <a:rot lat="17971736" lon="3331783" rev="18900000"/>
+              </a:camera>
+              <a:lightRig rig="threePt" dir="t"/>
+            </a:scene3d>
+          </p:spPr>
+          <p:style>
+            <a:lnRef idx="3">
+              <a:schemeClr val="dk1"/>
+            </a:lnRef>
+            <a:fillRef idx="0">
+              <a:schemeClr val="dk1"/>
+            </a:fillRef>
+            <a:effectRef idx="2">
+              <a:schemeClr val="dk1"/>
+            </a:effectRef>
+            <a:fontRef idx="minor">
+              <a:schemeClr val="tx1"/>
+            </a:fontRef>
+          </p:style>
+        </p:cxnSp>
+        <p:cxnSp>
+          <p:nvCxnSpPr>
+            <p:cNvPr id="57" name="直接连接符 56">
+              <a:extLst>
+                <a:ext uri="{FF2B5EF4-FFF2-40B4-BE49-F238E27FC236}">
+                  <a16:creationId xmlns:a16="http://schemas.microsoft.com/office/drawing/2014/main" id="{ED3B1992-F157-49D5-A15E-C17718AC28DF}"/>
+                </a:ext>
+              </a:extLst>
+            </p:cNvPr>
+            <p:cNvCxnSpPr>
+              <a:cxnSpLocks/>
+            </p:cNvCxnSpPr>
+            <p:nvPr/>
+          </p:nvCxnSpPr>
+          <p:spPr>
+            <a:xfrm>
+              <a:off x="3692057" y="2306319"/>
+              <a:ext cx="0" cy="804151"/>
+            </a:xfrm>
+            <a:prstGeom prst="line">
+              <a:avLst/>
+            </a:prstGeom>
+            <a:ln w="25400"/>
+            <a:scene3d>
+              <a:camera prst="isometricOffAxis2Top">
+                <a:rot lat="17971736" lon="3331783" rev="18900000"/>
+              </a:camera>
+              <a:lightRig rig="threePt" dir="t"/>
+            </a:scene3d>
+          </p:spPr>
+          <p:style>
+            <a:lnRef idx="3">
+              <a:schemeClr val="dk1"/>
+            </a:lnRef>
+            <a:fillRef idx="0">
+              <a:schemeClr val="dk1"/>
+            </a:fillRef>
+            <a:effectRef idx="2">
+              <a:schemeClr val="dk1"/>
+            </a:effectRef>
+            <a:fontRef idx="minor">
+              <a:schemeClr val="tx1"/>
+            </a:fontRef>
+          </p:style>
+        </p:cxnSp>
+        <p:cxnSp>
+          <p:nvCxnSpPr>
+            <p:cNvPr id="58" name="直接连接符 57">
+              <a:extLst>
+                <a:ext uri="{FF2B5EF4-FFF2-40B4-BE49-F238E27FC236}">
+                  <a16:creationId xmlns:a16="http://schemas.microsoft.com/office/drawing/2014/main" id="{CEA1AB05-C3B2-47E4-9522-87DA7B374AD6}"/>
+                </a:ext>
+              </a:extLst>
+            </p:cNvPr>
+            <p:cNvCxnSpPr>
+              <a:cxnSpLocks/>
+            </p:cNvCxnSpPr>
+            <p:nvPr/>
+          </p:nvCxnSpPr>
+          <p:spPr>
+            <a:xfrm>
+              <a:off x="4699167" y="2306319"/>
+              <a:ext cx="0" cy="804151"/>
+            </a:xfrm>
+            <a:prstGeom prst="line">
+              <a:avLst/>
+            </a:prstGeom>
+            <a:ln w="25400"/>
+            <a:scene3d>
+              <a:camera prst="isometricOffAxis2Top">
+                <a:rot lat="17971736" lon="3331783" rev="18900000"/>
+              </a:camera>
+              <a:lightRig rig="threePt" dir="t"/>
+            </a:scene3d>
+          </p:spPr>
+          <p:style>
+            <a:lnRef idx="3">
+              <a:schemeClr val="dk1"/>
+            </a:lnRef>
+            <a:fillRef idx="0">
+              <a:schemeClr val="dk1"/>
+            </a:fillRef>
+            <a:effectRef idx="2">
+              <a:schemeClr val="dk1"/>
+            </a:effectRef>
+            <a:fontRef idx="minor">
+              <a:schemeClr val="tx1"/>
+            </a:fontRef>
+          </p:style>
+        </p:cxnSp>
+        <p:cxnSp>
+          <p:nvCxnSpPr>
+            <p:cNvPr id="59" name="直接连接符 58">
+              <a:extLst>
+                <a:ext uri="{FF2B5EF4-FFF2-40B4-BE49-F238E27FC236}">
+                  <a16:creationId xmlns:a16="http://schemas.microsoft.com/office/drawing/2014/main" id="{F6A0D7D7-7A77-4918-AB0A-872BD8DCB852}"/>
+                </a:ext>
+              </a:extLst>
+            </p:cNvPr>
+            <p:cNvCxnSpPr>
+              <a:cxnSpLocks/>
+            </p:cNvCxnSpPr>
+            <p:nvPr/>
+          </p:nvCxnSpPr>
+          <p:spPr>
+            <a:xfrm>
+              <a:off x="5703102" y="2306318"/>
+              <a:ext cx="0" cy="804151"/>
+            </a:xfrm>
+            <a:prstGeom prst="line">
+              <a:avLst/>
+            </a:prstGeom>
+            <a:ln w="25400"/>
+            <a:scene3d>
+              <a:camera prst="isometricOffAxis2Top">
+                <a:rot lat="17971736" lon="3331783" rev="18900000"/>
+              </a:camera>
+              <a:lightRig rig="threePt" dir="t"/>
+            </a:scene3d>
+          </p:spPr>
+          <p:style>
+            <a:lnRef idx="3">
+              <a:schemeClr val="dk1"/>
+            </a:lnRef>
+            <a:fillRef idx="0">
+              <a:schemeClr val="dk1"/>
+            </a:fillRef>
+            <a:effectRef idx="2">
+              <a:schemeClr val="dk1"/>
+            </a:effectRef>
+            <a:fontRef idx="minor">
+              <a:schemeClr val="tx1"/>
+            </a:fontRef>
+          </p:style>
+        </p:cxnSp>
+        <p:cxnSp>
+          <p:nvCxnSpPr>
+            <p:cNvPr id="60" name="直接连接符 59">
+              <a:extLst>
+                <a:ext uri="{FF2B5EF4-FFF2-40B4-BE49-F238E27FC236}">
+                  <a16:creationId xmlns:a16="http://schemas.microsoft.com/office/drawing/2014/main" id="{0C936F83-6CB5-4991-BE43-A8B017CB047E}"/>
+                </a:ext>
+              </a:extLst>
+            </p:cNvPr>
+            <p:cNvCxnSpPr>
+              <a:cxnSpLocks/>
+            </p:cNvCxnSpPr>
+            <p:nvPr/>
+          </p:nvCxnSpPr>
+          <p:spPr>
+            <a:xfrm>
+              <a:off x="6703227" y="2306317"/>
+              <a:ext cx="0" cy="804151"/>
+            </a:xfrm>
+            <a:prstGeom prst="line">
+              <a:avLst/>
+            </a:prstGeom>
+            <a:ln w="25400"/>
+            <a:scene3d>
+              <a:camera prst="isometricOffAxis2Top">
+                <a:rot lat="17971736" lon="3331783" rev="18900000"/>
+              </a:camera>
+              <a:lightRig rig="threePt" dir="t"/>
+            </a:scene3d>
+          </p:spPr>
+          <p:style>
+            <a:lnRef idx="3">
+              <a:schemeClr val="dk1"/>
+            </a:lnRef>
+            <a:fillRef idx="0">
+              <a:schemeClr val="dk1"/>
+            </a:fillRef>
+            <a:effectRef idx="2">
+              <a:schemeClr val="dk1"/>
+            </a:effectRef>
+            <a:fontRef idx="minor">
+              <a:schemeClr val="tx1"/>
+            </a:fontRef>
+          </p:style>
+        </p:cxnSp>
+        <p:cxnSp>
+          <p:nvCxnSpPr>
+            <p:cNvPr id="61" name="直接连接符 60">
+              <a:extLst>
+                <a:ext uri="{FF2B5EF4-FFF2-40B4-BE49-F238E27FC236}">
+                  <a16:creationId xmlns:a16="http://schemas.microsoft.com/office/drawing/2014/main" id="{01FD4B9F-C7C4-43C3-8DAE-475E162612D1}"/>
+                </a:ext>
+              </a:extLst>
+            </p:cNvPr>
+            <p:cNvCxnSpPr>
+              <a:cxnSpLocks/>
+            </p:cNvCxnSpPr>
+            <p:nvPr/>
+          </p:nvCxnSpPr>
+          <p:spPr>
+            <a:xfrm>
+              <a:off x="9714397" y="2306315"/>
+              <a:ext cx="0" cy="804151"/>
+            </a:xfrm>
+            <a:prstGeom prst="line">
+              <a:avLst/>
+            </a:prstGeom>
+            <a:ln w="25400"/>
+            <a:scene3d>
+              <a:camera prst="isometricOffAxis2Top">
+                <a:rot lat="17971736" lon="3331783" rev="18900000"/>
+              </a:camera>
+              <a:lightRig rig="threePt" dir="t"/>
+            </a:scene3d>
+          </p:spPr>
+          <p:style>
+            <a:lnRef idx="3">
+              <a:schemeClr val="dk1"/>
+            </a:lnRef>
+            <a:fillRef idx="0">
+              <a:schemeClr val="dk1"/>
+            </a:fillRef>
+            <a:effectRef idx="2">
+              <a:schemeClr val="dk1"/>
+            </a:effectRef>
+            <a:fontRef idx="minor">
+              <a:schemeClr val="tx1"/>
+            </a:fontRef>
+          </p:style>
+        </p:cxnSp>
+        <p:cxnSp>
+          <p:nvCxnSpPr>
+            <p:cNvPr id="62" name="直接连接符 61">
+              <a:extLst>
+                <a:ext uri="{FF2B5EF4-FFF2-40B4-BE49-F238E27FC236}">
+                  <a16:creationId xmlns:a16="http://schemas.microsoft.com/office/drawing/2014/main" id="{BEBEF79C-C321-4004-B290-490D8C4F156D}"/>
+                </a:ext>
+              </a:extLst>
+            </p:cNvPr>
+            <p:cNvCxnSpPr>
+              <a:cxnSpLocks/>
+            </p:cNvCxnSpPr>
+            <p:nvPr/>
+          </p:nvCxnSpPr>
+          <p:spPr>
+            <a:xfrm>
+              <a:off x="7707797" y="2306317"/>
+              <a:ext cx="0" cy="804151"/>
+            </a:xfrm>
+            <a:prstGeom prst="line">
+              <a:avLst/>
+            </a:prstGeom>
+            <a:ln w="25400"/>
+            <a:scene3d>
+              <a:camera prst="isometricOffAxis2Top">
+                <a:rot lat="17971736" lon="3331783" rev="18900000"/>
+              </a:camera>
+              <a:lightRig rig="threePt" dir="t"/>
+            </a:scene3d>
+          </p:spPr>
+          <p:style>
+            <a:lnRef idx="3">
+              <a:schemeClr val="dk1"/>
+            </a:lnRef>
+            <a:fillRef idx="0">
+              <a:schemeClr val="dk1"/>
+            </a:fillRef>
+            <a:effectRef idx="2">
+              <a:schemeClr val="dk1"/>
+            </a:effectRef>
+            <a:fontRef idx="minor">
+              <a:schemeClr val="tx1"/>
+            </a:fontRef>
+          </p:style>
+        </p:cxnSp>
+        <p:cxnSp>
+          <p:nvCxnSpPr>
+            <p:cNvPr id="63" name="直接连接符 62">
+              <a:extLst>
+                <a:ext uri="{FF2B5EF4-FFF2-40B4-BE49-F238E27FC236}">
+                  <a16:creationId xmlns:a16="http://schemas.microsoft.com/office/drawing/2014/main" id="{3BE799B9-A6F4-47AD-9EDA-F1FA34F443D0}"/>
+                </a:ext>
+              </a:extLst>
+            </p:cNvPr>
+            <p:cNvCxnSpPr>
+              <a:cxnSpLocks/>
+            </p:cNvCxnSpPr>
+            <p:nvPr/>
+          </p:nvCxnSpPr>
+          <p:spPr>
+            <a:xfrm>
+              <a:off x="8713637" y="2306316"/>
+              <a:ext cx="0" cy="804151"/>
+            </a:xfrm>
+            <a:prstGeom prst="line">
+              <a:avLst/>
+            </a:prstGeom>
+            <a:ln w="25400"/>
+            <a:scene3d>
+              <a:camera prst="isometricOffAxis2Top">
+                <a:rot lat="17971736" lon="3331783" rev="18900000"/>
+              </a:camera>
+              <a:lightRig rig="threePt" dir="t"/>
+            </a:scene3d>
+          </p:spPr>
+          <p:style>
+            <a:lnRef idx="3">
+              <a:schemeClr val="dk1"/>
+            </a:lnRef>
+            <a:fillRef idx="0">
+              <a:schemeClr val="dk1"/>
+            </a:fillRef>
+            <a:effectRef idx="2">
+              <a:schemeClr val="dk1"/>
+            </a:effectRef>
+            <a:fontRef idx="minor">
+              <a:schemeClr val="tx1"/>
+            </a:fontRef>
+          </p:style>
+        </p:cxnSp>
+        <p:cxnSp>
+          <p:nvCxnSpPr>
+            <p:cNvPr id="64" name="直接连接符 63">
+              <a:extLst>
+                <a:ext uri="{FF2B5EF4-FFF2-40B4-BE49-F238E27FC236}">
+                  <a16:creationId xmlns:a16="http://schemas.microsoft.com/office/drawing/2014/main" id="{E0C71D81-3A47-4C68-B6CF-6576BF144541}"/>
+                </a:ext>
+              </a:extLst>
+            </p:cNvPr>
+            <p:cNvCxnSpPr>
+              <a:cxnSpLocks/>
+            </p:cNvCxnSpPr>
+            <p:nvPr/>
+          </p:nvCxnSpPr>
+          <p:spPr>
+            <a:xfrm>
+              <a:off x="10710077" y="2306315"/>
+              <a:ext cx="0" cy="804151"/>
+            </a:xfrm>
+            <a:prstGeom prst="line">
+              <a:avLst/>
+            </a:prstGeom>
+            <a:ln w="25400"/>
+            <a:scene3d>
+              <a:camera prst="isometricOffAxis2Top">
+                <a:rot lat="17971736" lon="3331783" rev="18900000"/>
+              </a:camera>
+              <a:lightRig rig="threePt" dir="t"/>
+            </a:scene3d>
+          </p:spPr>
+          <p:style>
+            <a:lnRef idx="3">
+              <a:schemeClr val="dk1"/>
+            </a:lnRef>
+            <a:fillRef idx="0">
+              <a:schemeClr val="dk1"/>
+            </a:fillRef>
+            <a:effectRef idx="2">
+              <a:schemeClr val="dk1"/>
+            </a:effectRef>
+            <a:fontRef idx="minor">
+              <a:schemeClr val="tx1"/>
+            </a:fontRef>
+          </p:style>
+        </p:cxnSp>
+        <p:cxnSp>
+          <p:nvCxnSpPr>
+            <p:cNvPr id="65" name="直接连接符 64">
+              <a:extLst>
+                <a:ext uri="{FF2B5EF4-FFF2-40B4-BE49-F238E27FC236}">
+                  <a16:creationId xmlns:a16="http://schemas.microsoft.com/office/drawing/2014/main" id="{872D19C3-03B7-47FD-80E9-DE44FE41937F}"/>
+                </a:ext>
+              </a:extLst>
+            </p:cNvPr>
+            <p:cNvCxnSpPr>
+              <a:cxnSpLocks/>
+            </p:cNvCxnSpPr>
+            <p:nvPr/>
+          </p:nvCxnSpPr>
+          <p:spPr>
+            <a:xfrm>
+              <a:off x="11593037" y="2848104"/>
+              <a:ext cx="0" cy="834502"/>
+            </a:xfrm>
+            <a:prstGeom prst="line">
+              <a:avLst/>
+            </a:prstGeom>
+          </p:spPr>
+          <p:style>
+            <a:lnRef idx="3">
+              <a:schemeClr val="dk1"/>
+            </a:lnRef>
+            <a:fillRef idx="0">
+              <a:schemeClr val="dk1"/>
+            </a:fillRef>
+            <a:effectRef idx="2">
+              <a:schemeClr val="dk1"/>
+            </a:effectRef>
+            <a:fontRef idx="minor">
+              <a:schemeClr val="tx1"/>
+            </a:fontRef>
+          </p:style>
+        </p:cxnSp>
+        <p:cxnSp>
+          <p:nvCxnSpPr>
+            <p:cNvPr id="66" name="直接连接符 65">
+              <a:extLst>
+                <a:ext uri="{FF2B5EF4-FFF2-40B4-BE49-F238E27FC236}">
+                  <a16:creationId xmlns:a16="http://schemas.microsoft.com/office/drawing/2014/main" id="{8E8900FF-35BC-4C0F-A07B-F58C09489F52}"/>
+                </a:ext>
+              </a:extLst>
+            </p:cNvPr>
+            <p:cNvCxnSpPr>
+              <a:cxnSpLocks/>
+            </p:cNvCxnSpPr>
+            <p:nvPr/>
+          </p:nvCxnSpPr>
+          <p:spPr>
+            <a:xfrm>
+              <a:off x="11713377" y="2306315"/>
+              <a:ext cx="0" cy="804151"/>
+            </a:xfrm>
+            <a:prstGeom prst="line">
+              <a:avLst/>
+            </a:prstGeom>
+            <a:ln w="25400"/>
+            <a:scene3d>
+              <a:camera prst="isometricOffAxis2Top">
+                <a:rot lat="17971736" lon="3331783" rev="18900000"/>
+              </a:camera>
+              <a:lightRig rig="threePt" dir="t"/>
+            </a:scene3d>
+          </p:spPr>
+          <p:style>
+            <a:lnRef idx="3">
+              <a:schemeClr val="dk1"/>
+            </a:lnRef>
+            <a:fillRef idx="0">
+              <a:schemeClr val="dk1"/>
+            </a:fillRef>
+            <a:effectRef idx="2">
+              <a:schemeClr val="dk1"/>
+            </a:effectRef>
+            <a:fontRef idx="minor">
+              <a:schemeClr val="tx1"/>
+            </a:fontRef>
+          </p:style>
+        </p:cxnSp>
+      </p:grpSp>
+    </p:spTree>
+    <p:extLst>
+      <p:ext uri="{BB962C8B-B14F-4D97-AF65-F5344CB8AC3E}">
+        <p14:creationId xmlns:p14="http://schemas.microsoft.com/office/powerpoint/2010/main" val="1532758368"/>
       </p:ext>
     </p:extLst>
   </p:cSld>
